--- a/01-linux.pptx
+++ b/01-linux.pptx
@@ -3378,19 +3378,7 @@
                   </a:outerShdw>
                 </a:effectLst>
               </a:rPr>
-              <a:t>(Linux</a:t>
-            </a:r>
-            <a:r>
-              <a:rPr lang="en-US" altLang="ko-KR" b="1" dirty="0" smtClean="0">
-                <a:effectLst>
-                  <a:outerShdw blurRad="38100" dist="38100" dir="2700000" algn="tl">
-                    <a:srgbClr val="000000">
-                      <a:alpha val="43137"/>
-                    </a:srgbClr>
-                  </a:outerShdw>
-                </a:effectLst>
-              </a:rPr>
-              <a:t>) </a:t>
+              <a:t>(Linux) </a:t>
             </a:r>
             <a:r>
               <a:rPr lang="ko-KR" altLang="en-US" b="1" dirty="0" smtClean="0">
@@ -9048,7 +9036,7 @@
         </p:blipFill>
         <p:spPr>
           <a:xfrm>
-            <a:off x="925255" y="2850867"/>
+            <a:off x="1227180" y="2850867"/>
             <a:ext cx="3981814" cy="3912704"/>
           </a:xfrm>
           <a:prstGeom prst="rect">
@@ -17597,13 +17585,8 @@
                       </a:r>
                       <a:r>
                         <a:rPr lang="en-US" altLang="ko-KR" sz="2000" dirty="0" smtClean="0"/>
-                        <a:t> </a:t>
+                        <a:t>  document</a:t>
                       </a:r>
-                      <a:r>
-                        <a:rPr lang="en-US" altLang="ko-KR" sz="2000" dirty="0" smtClean="0"/>
-                        <a:t> document</a:t>
-                      </a:r>
-                      <a:endParaRPr lang="en-US" altLang="ko-KR" sz="2000" dirty="0" smtClean="0"/>
                     </a:p>
                     <a:p>
                       <a:pPr marL="0" marR="0" lvl="0" indent="0" algn="l" defTabSz="914400" rtl="0" eaLnBrk="1" fontAlgn="auto" latinLnBrk="1" hangingPunct="1">
@@ -17633,11 +17616,7 @@
                       </a:r>
                       <a:r>
                         <a:rPr lang="en-US" altLang="ko-KR" sz="2000" dirty="0" smtClean="0"/>
-                        <a:t> </a:t>
-                      </a:r>
-                      <a:r>
-                        <a:rPr lang="en-US" altLang="ko-KR" sz="2000" dirty="0" smtClean="0"/>
-                        <a:t> </a:t>
+                        <a:t>  </a:t>
                       </a:r>
                       <a:r>
                         <a:rPr lang="en-US" altLang="ko-KR" sz="2000" dirty="0" err="1" smtClean="0"/>
@@ -17850,13 +17829,8 @@
                       </a:r>
                       <a:r>
                         <a:rPr lang="en-US" altLang="ko-KR" sz="2000" dirty="0" smtClean="0"/>
-                        <a:t> </a:t>
+                        <a:t>  document</a:t>
                       </a:r>
-                      <a:r>
-                        <a:rPr lang="en-US" altLang="ko-KR" sz="2000" dirty="0" smtClean="0"/>
-                        <a:t> document</a:t>
-                      </a:r>
-                      <a:endParaRPr lang="en-US" altLang="ko-KR" sz="2000" dirty="0" smtClean="0"/>
                     </a:p>
                   </a:txBody>
                   <a:tcPr anchor="ctr">
@@ -18027,11 +18001,7 @@
                       </a:r>
                       <a:r>
                         <a:rPr lang="en-US" altLang="ko-KR" sz="2000" baseline="0" dirty="0" smtClean="0"/>
-                        <a:t> </a:t>
-                      </a:r>
-                      <a:r>
-                        <a:rPr lang="en-US" altLang="ko-KR" sz="2000" baseline="0" dirty="0" smtClean="0"/>
-                        <a:t> test.txt</a:t>
+                        <a:t>  test.txt</a:t>
                       </a:r>
                       <a:endParaRPr lang="en-US" altLang="ko-KR" sz="2000" dirty="0" smtClean="0"/>
                     </a:p>
@@ -18243,21 +18213,8 @@
                       </a:pPr>
                       <a:r>
                         <a:rPr lang="en-US" altLang="ko-KR" sz="2000" dirty="0" smtClean="0"/>
-                        <a:t>&gt;</a:t>
+                        <a:t>&gt;mv  test.txt  mytext.txt</a:t>
                       </a:r>
-                      <a:r>
-                        <a:rPr lang="en-US" altLang="ko-KR" sz="2000" dirty="0" smtClean="0"/>
-                        <a:t>mv  </a:t>
-                      </a:r>
-                      <a:r>
-                        <a:rPr lang="en-US" altLang="ko-KR" sz="2000" dirty="0" smtClean="0"/>
-                        <a:t>test.txt </a:t>
-                      </a:r>
-                      <a:r>
-                        <a:rPr lang="en-US" altLang="ko-KR" sz="2000" dirty="0" smtClean="0"/>
-                        <a:t> mytext.txt</a:t>
-                      </a:r>
-                      <a:endParaRPr lang="en-US" altLang="ko-KR" sz="2000" dirty="0" smtClean="0"/>
                     </a:p>
                     <a:p>
                       <a:pPr marL="0" marR="0" lvl="0" indent="0" algn="l" defTabSz="914400" rtl="0" eaLnBrk="1" fontAlgn="auto" latinLnBrk="1" hangingPunct="1">
@@ -18287,11 +18244,7 @@
                       </a:r>
                       <a:r>
                         <a:rPr lang="en-US" altLang="ko-KR" sz="2000" baseline="0" dirty="0" smtClean="0"/>
-                        <a:t> </a:t>
-                      </a:r>
-                      <a:r>
-                        <a:rPr lang="en-US" altLang="ko-KR" sz="2000" baseline="0" dirty="0" smtClean="0"/>
-                        <a:t> mytext.txt  </a:t>
+                        <a:t>  mytext.txt  </a:t>
                       </a:r>
                       <a:r>
                         <a:rPr lang="en-US" altLang="ko-KR" sz="2000" baseline="0" dirty="0" err="1" smtClean="0"/>
@@ -18511,11 +18464,7 @@
                       </a:r>
                       <a:r>
                         <a:rPr lang="en-US" altLang="ko-KR" sz="2000" baseline="0" dirty="0" smtClean="0"/>
-                        <a:t>  mytext.txt  </a:t>
-                      </a:r>
-                      <a:r>
-                        <a:rPr lang="en-US" altLang="ko-KR" sz="2000" baseline="0" dirty="0" smtClean="0"/>
-                        <a:t>mytext1.txt</a:t>
+                        <a:t>  mytext.txt  mytext1.txt</a:t>
                       </a:r>
                     </a:p>
                     <a:p>
@@ -18546,17 +18495,8 @@
                       </a:r>
                       <a:r>
                         <a:rPr lang="en-US" altLang="ko-KR" sz="2000" baseline="0" dirty="0" smtClean="0"/>
-                        <a:t>  </a:t>
+                        <a:t>  mytext.txt  mytext2.txt</a:t>
                       </a:r>
-                      <a:r>
-                        <a:rPr lang="en-US" altLang="ko-KR" sz="2000" baseline="0" dirty="0" smtClean="0"/>
-                        <a:t>mytext.txt </a:t>
-                      </a:r>
-                      <a:r>
-                        <a:rPr lang="en-US" altLang="ko-KR" sz="2000" baseline="0" dirty="0" smtClean="0"/>
-                        <a:t> mytext2.txt</a:t>
-                      </a:r>
-                      <a:endParaRPr lang="en-US" altLang="ko-KR" sz="2000" baseline="0" dirty="0" smtClean="0"/>
                     </a:p>
                   </a:txBody>
                   <a:tcPr anchor="ctr">
@@ -18763,13 +18703,8 @@
                       </a:r>
                       <a:r>
                         <a:rPr lang="en-US" altLang="ko-KR" sz="2000" dirty="0" smtClean="0"/>
-                        <a:t> </a:t>
+                        <a:t>  mytext1.txt</a:t>
                       </a:r>
-                      <a:r>
-                        <a:rPr lang="en-US" altLang="ko-KR" sz="2000" dirty="0" smtClean="0"/>
-                        <a:t> mytext1.txt</a:t>
-                      </a:r>
-                      <a:endParaRPr lang="en-US" altLang="ko-KR" sz="2000" dirty="0" smtClean="0"/>
                     </a:p>
                     <a:p>
                       <a:pPr marL="0" marR="0" lvl="0" indent="0" algn="l" defTabSz="914400" rtl="0" eaLnBrk="1" fontAlgn="auto" latinLnBrk="1" hangingPunct="1">
@@ -18799,11 +18734,7 @@
                       </a:r>
                       <a:r>
                         <a:rPr lang="en-US" altLang="ko-KR" sz="2000" dirty="0" smtClean="0"/>
-                        <a:t> </a:t>
-                      </a:r>
-                      <a:r>
-                        <a:rPr lang="en-US" altLang="ko-KR" sz="2000" dirty="0" smtClean="0"/>
-                        <a:t> –</a:t>
+                        <a:t>  –</a:t>
                       </a:r>
                       <a:r>
                         <a:rPr lang="en-US" altLang="ko-KR" sz="2000" dirty="0" err="1" smtClean="0"/>
@@ -18811,13 +18742,8 @@
                       </a:r>
                       <a:r>
                         <a:rPr lang="en-US" altLang="ko-KR" sz="2000" dirty="0" smtClean="0"/>
-                        <a:t> </a:t>
+                        <a:t>  mytext1.txt</a:t>
                       </a:r>
-                      <a:r>
-                        <a:rPr lang="en-US" altLang="ko-KR" sz="2000" dirty="0" smtClean="0"/>
-                        <a:t> mytext1.txt</a:t>
-                      </a:r>
-                      <a:endParaRPr lang="en-US" altLang="ko-KR" sz="2000" dirty="0" smtClean="0"/>
                     </a:p>
                   </a:txBody>
                   <a:tcPr anchor="ctr">
@@ -18959,11 +18885,7 @@
             </a:r>
             <a:r>
               <a:rPr lang="ko-KR" altLang="en-US" dirty="0" smtClean="0"/>
-              <a:t> </a:t>
-            </a:r>
-            <a:r>
-              <a:rPr lang="ko-KR" altLang="en-US" dirty="0" smtClean="0"/>
-              <a:t>전</a:t>
+              <a:t> 전</a:t>
             </a:r>
             <a:r>
               <a:rPr lang="ko-KR" altLang="en-US" dirty="0"/>
@@ -18979,15 +18901,7 @@
             </a:r>
             <a:r>
               <a:rPr lang="ko-KR" altLang="en-US" dirty="0" smtClean="0"/>
-              <a:t> </a:t>
-            </a:r>
-            <a:r>
-              <a:rPr lang="ko-KR" altLang="en-US" dirty="0" smtClean="0"/>
-              <a:t>교수가 학생들의 </a:t>
-            </a:r>
-            <a:r>
-              <a:rPr lang="ko-KR" altLang="en-US" dirty="0" smtClean="0"/>
-              <a:t>학습을 목적으로 개발한 </a:t>
+              <a:t> 교수가 학생들의 학습을 목적으로 개발한 </a:t>
             </a:r>
             <a:r>
               <a:rPr lang="en-US" altLang="ko-KR" dirty="0" smtClean="0"/>
@@ -19011,11 +18925,7 @@
             </a:r>
             <a:r>
               <a:rPr lang="ko-KR" altLang="en-US" dirty="0" smtClean="0"/>
-              <a:t>뉴스그룹에 </a:t>
-            </a:r>
-            <a:r>
-              <a:rPr lang="ko-KR" altLang="en-US" dirty="0" smtClean="0"/>
-              <a:t>발표하면서 시작됨</a:t>
+              <a:t>뉴스그룹에 발표하면서 시작됨</a:t>
             </a:r>
             <a:endParaRPr lang="en-US" altLang="ko-KR" dirty="0" smtClean="0"/>
           </a:p>
@@ -21953,11 +21863,19 @@
             </a:r>
             <a:r>
               <a:rPr lang="ko-KR" altLang="en-US" dirty="0" smtClean="0"/>
-              <a:t>와 한 인터뷰 영상</a:t>
+              <a:t>와 한 인터뷰 </a:t>
+            </a:r>
+            <a:r>
+              <a:rPr lang="ko-KR" altLang="en-US" dirty="0" smtClean="0"/>
+              <a:t>영상 </a:t>
             </a:r>
             <a:r>
               <a:rPr lang="en-US" altLang="ko-KR" dirty="0" smtClean="0"/>
-              <a:t>(21</a:t>
+              <a:t>(</a:t>
+            </a:r>
+            <a:r>
+              <a:rPr lang="en-US" altLang="ko-KR" dirty="0" smtClean="0"/>
+              <a:t>21</a:t>
             </a:r>
             <a:r>
               <a:rPr lang="ko-KR" altLang="en-US" dirty="0" smtClean="0"/>

--- a/01-linux.pptx
+++ b/01-linux.pptx
@@ -240,7 +240,7 @@
           <a:p>
             <a:fld id="{48BA394C-F57C-46F7-A237-44FDB0C72F82}" type="datetimeFigureOut">
               <a:rPr lang="ko-KR" altLang="en-US" smtClean="0"/>
-              <a:t>2020-08-28</a:t>
+              <a:t>2020-09-02</a:t>
             </a:fld>
             <a:endParaRPr lang="ko-KR" altLang="en-US"/>
           </a:p>
@@ -3731,12 +3731,8 @@
           <a:p>
             <a:pPr lvl="1"/>
             <a:r>
-              <a:rPr lang="en-US" altLang="ko-KR" smtClean="0"/>
-              <a:t>Eclipse </a:t>
-            </a:r>
-            <a:r>
               <a:rPr lang="en-US" altLang="ko-KR" dirty="0" smtClean="0"/>
-              <a:t>Public License</a:t>
+              <a:t>Eclipse Public License</a:t>
             </a:r>
           </a:p>
           <a:p>
@@ -3749,10 +3745,6 @@
               <a:rPr lang="ko-KR" altLang="en-US" dirty="0" smtClean="0"/>
               <a:t>등</a:t>
             </a:r>
-            <a:endParaRPr lang="en-US" altLang="ko-KR" dirty="0" smtClean="0"/>
-          </a:p>
-          <a:p>
-            <a:pPr lvl="1"/>
             <a:endParaRPr lang="en-US" altLang="ko-KR" dirty="0" smtClean="0"/>
           </a:p>
           <a:p>
@@ -3794,6 +3786,13 @@
   <p:clrMapOvr>
     <a:masterClrMapping/>
   </p:clrMapOvr>
+  <p:timing>
+    <p:tnLst>
+      <p:par>
+        <p:cTn id="1" dur="indefinite" restart="never" nodeType="tmRoot"/>
+      </p:par>
+    </p:tnLst>
+  </p:timing>
 </p:sld>
 </file>
 
@@ -4430,6 +4429,13 @@
   <p:clrMapOvr>
     <a:masterClrMapping/>
   </p:clrMapOvr>
+  <p:timing>
+    <p:tnLst>
+      <p:par>
+        <p:cTn id="1" dur="indefinite" restart="never" nodeType="tmRoot"/>
+      </p:par>
+    </p:tnLst>
+  </p:timing>
 </p:sld>
 </file>
 
@@ -4731,6 +4737,13 @@
   <p:clrMapOvr>
     <a:masterClrMapping/>
   </p:clrMapOvr>
+  <p:timing>
+    <p:tnLst>
+      <p:par>
+        <p:cTn id="1" dur="indefinite" restart="never" nodeType="tmRoot"/>
+      </p:par>
+    </p:tnLst>
+  </p:timing>
 </p:sld>
 </file>
 
@@ -5450,8 +5463,12 @@
           <a:p>
             <a:pPr lvl="1"/>
             <a:r>
+              <a:rPr lang="en-US" altLang="ko-KR" b="1" dirty="0" smtClean="0"/>
+              <a:t>bash</a:t>
+            </a:r>
+            <a:r>
               <a:rPr lang="en-US" altLang="ko-KR" dirty="0" smtClean="0"/>
-              <a:t>bash shell </a:t>
+              <a:t> shell </a:t>
             </a:r>
           </a:p>
           <a:p>
@@ -5508,7 +5525,7 @@
           <a:p>
             <a:pPr lvl="1"/>
             <a:r>
-              <a:rPr lang="en-US" altLang="ko-KR" dirty="0" err="1" smtClean="0"/>
+              <a:rPr lang="en-US" altLang="ko-KR" b="1" dirty="0" err="1" smtClean="0"/>
               <a:t>csh</a:t>
             </a:r>
             <a:r>
@@ -5524,7 +5541,7 @@
           <a:p>
             <a:pPr lvl="1"/>
             <a:r>
-              <a:rPr lang="en-US" altLang="ko-KR" dirty="0" err="1" smtClean="0"/>
+              <a:rPr lang="en-US" altLang="ko-KR" b="1" dirty="0" err="1" smtClean="0"/>
               <a:t>ksh</a:t>
             </a:r>
             <a:r>
@@ -5540,7 +5557,7 @@
           <a:p>
             <a:pPr lvl="1"/>
             <a:r>
-              <a:rPr lang="en-US" altLang="ko-KR" dirty="0" err="1" smtClean="0"/>
+              <a:rPr lang="en-US" altLang="ko-KR" b="1" dirty="0" err="1" smtClean="0"/>
               <a:t>tcsh</a:t>
             </a:r>
             <a:r>
@@ -5596,6 +5613,13 @@
   <p:clrMapOvr>
     <a:masterClrMapping/>
   </p:clrMapOvr>
+  <p:timing>
+    <p:tnLst>
+      <p:par>
+        <p:cTn id="1" dur="indefinite" restart="never" nodeType="tmRoot"/>
+      </p:par>
+    </p:tnLst>
+  </p:timing>
 </p:sld>
 </file>
 
@@ -6254,6 +6278,13 @@
   <p:clrMapOvr>
     <a:masterClrMapping/>
   </p:clrMapOvr>
+  <p:timing>
+    <p:tnLst>
+      <p:par>
+        <p:cTn id="1" dur="indefinite" restart="never" nodeType="tmRoot"/>
+      </p:par>
+    </p:tnLst>
+  </p:timing>
 </p:sld>
 </file>
 
@@ -8089,6 +8120,13 @@
   <p:clrMapOvr>
     <a:masterClrMapping/>
   </p:clrMapOvr>
+  <p:timing>
+    <p:tnLst>
+      <p:par>
+        <p:cTn id="1" dur="indefinite" restart="never" nodeType="tmRoot"/>
+      </p:par>
+    </p:tnLst>
+  </p:timing>
 </p:sld>
 </file>
 
@@ -8613,6 +8651,13 @@
   <p:clrMapOvr>
     <a:masterClrMapping/>
   </p:clrMapOvr>
+  <p:timing>
+    <p:tnLst>
+      <p:par>
+        <p:cTn id="1" dur="indefinite" restart="never" nodeType="tmRoot"/>
+      </p:par>
+    </p:tnLst>
+  </p:timing>
 </p:sld>
 </file>
 
@@ -8893,6 +8938,13 @@
   <p:clrMapOvr>
     <a:masterClrMapping/>
   </p:clrMapOvr>
+  <p:timing>
+    <p:tnLst>
+      <p:par>
+        <p:cTn id="1" dur="indefinite" restart="never" nodeType="tmRoot"/>
+      </p:par>
+    </p:tnLst>
+  </p:timing>
 </p:sld>
 </file>
 
@@ -10583,6 +10635,13 @@
   <p:clrMapOvr>
     <a:masterClrMapping/>
   </p:clrMapOvr>
+  <p:timing>
+    <p:tnLst>
+      <p:par>
+        <p:cTn id="1" dur="indefinite" restart="never" nodeType="tmRoot"/>
+      </p:par>
+    </p:tnLst>
+  </p:timing>
 </p:sld>
 </file>
 
@@ -11329,6 +11388,13 @@
   <p:clrMapOvr>
     <a:masterClrMapping/>
   </p:clrMapOvr>
+  <p:timing>
+    <p:tnLst>
+      <p:par>
+        <p:cTn id="1" dur="indefinite" restart="never" nodeType="tmRoot"/>
+      </p:par>
+    </p:tnLst>
+  </p:timing>
 </p:sld>
 </file>
 
@@ -12182,6 +12248,13 @@
   <p:clrMapOvr>
     <a:masterClrMapping/>
   </p:clrMapOvr>
+  <p:timing>
+    <p:tnLst>
+      <p:par>
+        <p:cTn id="1" dur="indefinite" restart="never" nodeType="tmRoot"/>
+      </p:par>
+    </p:tnLst>
+  </p:timing>
 </p:sld>
 </file>
 
@@ -12878,14 +12951,14 @@
               </a:tabLst>
             </a:pPr>
             <a:r>
-              <a:rPr lang="ko-KR" altLang="en-US" sz="2000" spc="180" dirty="0" err="1">
-                <a:latin typeface="+mj-lt"/>
-                <a:cs typeface="나눔스퀘어OTF Light"/>
-              </a:rPr>
-              <a:t>재부팅시</a:t>
-            </a:r>
-            <a:r>
-              <a:rPr lang="ko-KR" altLang="en-US" sz="2000" spc="175" dirty="0">
+              <a:rPr lang="ko-KR" altLang="en-US" sz="2000" spc="180" dirty="0" smtClean="0">
+                <a:latin typeface="+mj-lt"/>
+                <a:cs typeface="나눔스퀘어OTF Light"/>
+              </a:rPr>
+              <a:t>재부팅 시</a:t>
+            </a:r>
+            <a:r>
+              <a:rPr lang="ko-KR" altLang="en-US" sz="2000" spc="175" dirty="0" smtClean="0">
                 <a:latin typeface="+mj-lt"/>
                 <a:cs typeface="나눔스퀘어OTF Light"/>
               </a:rPr>
@@ -12938,6 +13011,13 @@
   <p:clrMapOvr>
     <a:masterClrMapping/>
   </p:clrMapOvr>
+  <p:timing>
+    <p:tnLst>
+      <p:par>
+        <p:cTn id="1" dur="indefinite" restart="never" nodeType="tmRoot"/>
+      </p:par>
+    </p:tnLst>
+  </p:timing>
 </p:sld>
 </file>
 
@@ -13672,6 +13752,13 @@
   <p:clrMapOvr>
     <a:masterClrMapping/>
   </p:clrMapOvr>
+  <p:timing>
+    <p:tnLst>
+      <p:par>
+        <p:cTn id="1" dur="indefinite" restart="never" nodeType="tmRoot"/>
+      </p:par>
+    </p:tnLst>
+  </p:timing>
 </p:sld>
 </file>
 
@@ -14155,6 +14242,13 @@
   <p:clrMapOvr>
     <a:masterClrMapping/>
   </p:clrMapOvr>
+  <p:timing>
+    <p:tnLst>
+      <p:par>
+        <p:cTn id="1" dur="indefinite" restart="never" nodeType="tmRoot"/>
+      </p:par>
+    </p:tnLst>
+  </p:timing>
 </p:sld>
 </file>
 
@@ -15757,7 +15851,11 @@
             </a:r>
             <a:r>
               <a:rPr lang="en-US" altLang="ko-KR" dirty="0" smtClean="0"/>
-              <a:t>: &gt;cd /home/user01/download</a:t>
+              <a:t>: &gt;cd /</a:t>
+            </a:r>
+            <a:r>
+              <a:rPr lang="en-US" altLang="ko-KR" dirty="0" smtClean="0"/>
+              <a:t>home/jinsook/user01/download</a:t>
             </a:r>
             <a:endParaRPr lang="ko-KR" altLang="en-US" dirty="0"/>
           </a:p>
@@ -15849,6 +15947,13 @@
   <p:clrMapOvr>
     <a:masterClrMapping/>
   </p:clrMapOvr>
+  <p:timing>
+    <p:tnLst>
+      <p:par>
+        <p:cTn id="1" dur="indefinite" restart="never" nodeType="tmRoot"/>
+      </p:par>
+    </p:tnLst>
+  </p:timing>
 </p:sld>
 </file>
 
@@ -16977,6 +17082,13 @@
   <p:clrMapOvr>
     <a:masterClrMapping/>
   </p:clrMapOvr>
+  <p:timing>
+    <p:tnLst>
+      <p:par>
+        <p:cTn id="1" dur="indefinite" restart="never" nodeType="tmRoot"/>
+      </p:par>
+    </p:tnLst>
+  </p:timing>
 </p:sld>
 </file>
 
@@ -17118,6 +17230,13 @@
   <p:clrMapOvr>
     <a:masterClrMapping/>
   </p:clrMapOvr>
+  <p:timing>
+    <p:tnLst>
+      <p:par>
+        <p:cTn id="1" dur="indefinite" restart="never" nodeType="tmRoot"/>
+      </p:par>
+    </p:tnLst>
+  </p:timing>
 </p:sld>
 </file>
 
@@ -17192,14 +17311,14 @@
           <p:nvPr>
             <p:extLst>
               <p:ext uri="{D42A27DB-BD31-4B8C-83A1-F6EECF244321}">
-                <p14:modId xmlns:p14="http://schemas.microsoft.com/office/powerpoint/2010/main" val="3444860433"/>
+                <p14:modId xmlns:p14="http://schemas.microsoft.com/office/powerpoint/2010/main" val="3067936231"/>
               </p:ext>
             </p:extLst>
           </p:nvPr>
         </p:nvGraphicFramePr>
         <p:xfrm>
           <a:off x="388189" y="1104180"/>
-          <a:ext cx="11334253" cy="5322501"/>
+          <a:ext cx="11334253" cy="5463309"/>
         </p:xfrm>
         <a:graphic>
           <a:graphicData uri="http://schemas.openxmlformats.org/drawingml/2006/table">
@@ -18745,6 +18864,45 @@
                         <a:t>  mytext1.txt</a:t>
                       </a:r>
                     </a:p>
+                    <a:p>
+                      <a:pPr marL="0" marR="0" lvl="0" indent="0" algn="l" defTabSz="914400" rtl="0" eaLnBrk="1" fontAlgn="auto" latinLnBrk="1" hangingPunct="1">
+                        <a:lnSpc>
+                          <a:spcPct val="100000"/>
+                        </a:lnSpc>
+                        <a:spcBef>
+                          <a:spcPts val="0"/>
+                        </a:spcBef>
+                        <a:spcAft>
+                          <a:spcPts val="0"/>
+                        </a:spcAft>
+                        <a:buClrTx/>
+                        <a:buSzTx/>
+                        <a:buFontTx/>
+                        <a:buNone/>
+                        <a:tabLst/>
+                        <a:defRPr/>
+                      </a:pPr>
+                      <a:r>
+                        <a:rPr lang="en-US" altLang="ko-KR" sz="2000" dirty="0" smtClean="0"/>
+                        <a:t>&gt;</a:t>
+                      </a:r>
+                      <a:r>
+                        <a:rPr lang="en-US" altLang="ko-KR" sz="2000" dirty="0" err="1" smtClean="0"/>
+                        <a:t>rm</a:t>
+                      </a:r>
+                      <a:r>
+                        <a:rPr lang="en-US" altLang="ko-KR" sz="2000" dirty="0" smtClean="0"/>
+                        <a:t> –r gitTest1(</a:t>
+                      </a:r>
+                      <a:r>
+                        <a:rPr lang="ko-KR" altLang="en-US" sz="2000" dirty="0" smtClean="0"/>
+                        <a:t>폴더</a:t>
+                      </a:r>
+                      <a:r>
+                        <a:rPr lang="en-US" altLang="ko-KR" sz="2000" dirty="0" smtClean="0"/>
+                        <a:t>)</a:t>
+                      </a:r>
+                    </a:p>
                   </a:txBody>
                   <a:tcPr anchor="ctr">
                     <a:lnL w="12700" cap="flat" cmpd="sng" algn="ctr">
@@ -18805,6 +18963,13 @@
   <p:clrMapOvr>
     <a:masterClrMapping/>
   </p:clrMapOvr>
+  <p:timing>
+    <p:tnLst>
+      <p:par>
+        <p:cTn id="1" dur="indefinite" restart="never" nodeType="tmRoot"/>
+      </p:par>
+    </p:tnLst>
+  </p:timing>
 </p:sld>
 </file>
 
@@ -19245,7 +19410,7 @@
         </p:spPr>
         <p:txBody>
           <a:bodyPr>
-            <a:normAutofit fontScale="92500" lnSpcReduction="10000"/>
+            <a:normAutofit fontScale="85000" lnSpcReduction="20000"/>
           </a:bodyPr>
           <a:lstStyle/>
           <a:p>
@@ -19406,6 +19571,40 @@
             <a:r>
               <a:rPr lang="ko-KR" altLang="en-US" dirty="0" smtClean="0"/>
               <a:t>디렉토리 삭제하기</a:t>
+            </a:r>
+            <a:endParaRPr lang="en-US" altLang="ko-KR" dirty="0" smtClean="0"/>
+          </a:p>
+          <a:p>
+            <a:pPr marL="514350" indent="-514350">
+              <a:buFont typeface="+mj-lt"/>
+              <a:buAutoNum type="arabicPeriod"/>
+            </a:pPr>
+            <a:endParaRPr lang="en-US" altLang="ko-KR" dirty="0" smtClean="0"/>
+          </a:p>
+          <a:p>
+            <a:pPr marL="514350" indent="-514350">
+              <a:buFont typeface="+mj-lt"/>
+              <a:buAutoNum type="arabicPeriod"/>
+            </a:pPr>
+            <a:r>
+              <a:rPr lang="en-US" altLang="ko-KR" dirty="0" smtClean="0"/>
+              <a:t>download </a:t>
+            </a:r>
+            <a:r>
+              <a:rPr lang="ko-KR" altLang="en-US" dirty="0" smtClean="0"/>
+              <a:t>디렉토리 삭제하기</a:t>
+            </a:r>
+            <a:r>
+              <a:rPr lang="en-US" altLang="ko-KR" dirty="0" smtClean="0"/>
+              <a:t>(</a:t>
+            </a:r>
+            <a:r>
+              <a:rPr lang="ko-KR" altLang="en-US" dirty="0" smtClean="0"/>
+              <a:t>발생되는 문제</a:t>
+            </a:r>
+            <a:r>
+              <a:rPr lang="en-US" altLang="ko-KR" dirty="0" smtClean="0"/>
+              <a:t>?)</a:t>
             </a:r>
             <a:endParaRPr lang="en-US" altLang="ko-KR" dirty="0"/>
           </a:p>
@@ -19431,6 +19630,13 @@
   <p:clrMapOvr>
     <a:masterClrMapping/>
   </p:clrMapOvr>
+  <p:timing>
+    <p:tnLst>
+      <p:par>
+        <p:cTn id="1" dur="indefinite" restart="never" nodeType="tmRoot"/>
+      </p:par>
+    </p:tnLst>
+  </p:timing>
 </p:sld>
 </file>
 
@@ -19611,6 +19817,13 @@
   <p:clrMapOvr>
     <a:masterClrMapping/>
   </p:clrMapOvr>
+  <p:timing>
+    <p:tnLst>
+      <p:par>
+        <p:cTn id="1" dur="indefinite" restart="never" nodeType="tmRoot"/>
+      </p:par>
+    </p:tnLst>
+  </p:timing>
 </p:sld>
 </file>
 
@@ -21503,6 +21716,51 @@
       </p:sp>
       <p:sp>
         <p:nvSpPr>
+          <p:cNvPr id="30" name="직사각형 29"/>
+          <p:cNvSpPr/>
+          <p:nvPr/>
+        </p:nvSpPr>
+        <p:spPr>
+          <a:xfrm>
+            <a:off x="4235570" y="3105509"/>
+            <a:ext cx="4813539" cy="2993366"/>
+          </a:xfrm>
+          <a:prstGeom prst="rect">
+            <a:avLst/>
+          </a:prstGeom>
+          <a:solidFill>
+            <a:srgbClr val="FFE1EA">
+              <a:alpha val="27059"/>
+            </a:srgbClr>
+          </a:solidFill>
+        </p:spPr>
+        <p:style>
+          <a:lnRef idx="2">
+            <a:schemeClr val="accent1">
+              <a:shade val="50000"/>
+            </a:schemeClr>
+          </a:lnRef>
+          <a:fillRef idx="1">
+            <a:schemeClr val="accent1"/>
+          </a:fillRef>
+          <a:effectRef idx="0">
+            <a:schemeClr val="accent1"/>
+          </a:effectRef>
+          <a:fontRef idx="minor">
+            <a:schemeClr val="lt1"/>
+          </a:fontRef>
+        </p:style>
+        <p:txBody>
+          <a:bodyPr rtlCol="0" anchor="ctr"/>
+          <a:lstStyle/>
+          <a:p>
+            <a:pPr algn="ctr"/>
+            <a:endParaRPr lang="ko-KR" altLang="en-US"/>
+          </a:p>
+        </p:txBody>
+      </p:sp>
+      <p:sp>
+        <p:nvSpPr>
           <p:cNvPr id="70" name="내용 개체 틀 2"/>
           <p:cNvSpPr txBox="1">
             <a:spLocks/>
@@ -21512,7 +21770,7 @@
         <p:spPr>
           <a:xfrm>
             <a:off x="377072" y="1057835"/>
-            <a:ext cx="3660431" cy="5611906"/>
+            <a:ext cx="3771693" cy="5611906"/>
           </a:xfrm>
           <a:prstGeom prst="rect">
             <a:avLst/>
@@ -21863,19 +22121,11 @@
             </a:r>
             <a:r>
               <a:rPr lang="ko-KR" altLang="en-US" dirty="0" smtClean="0"/>
-              <a:t>와 한 인터뷰 </a:t>
-            </a:r>
-            <a:r>
-              <a:rPr lang="ko-KR" altLang="en-US" dirty="0" smtClean="0"/>
-              <a:t>영상 </a:t>
+              <a:t>와 한 인터뷰 영상 </a:t>
             </a:r>
             <a:r>
               <a:rPr lang="en-US" altLang="ko-KR" dirty="0" smtClean="0"/>
-              <a:t>(</a:t>
-            </a:r>
-            <a:r>
-              <a:rPr lang="en-US" altLang="ko-KR" dirty="0" smtClean="0"/>
-              <a:t>21</a:t>
+              <a:t>(21</a:t>
             </a:r>
             <a:r>
               <a:rPr lang="ko-KR" altLang="en-US" dirty="0" smtClean="0"/>
@@ -21931,6 +22181,13 @@
   <p:clrMapOvr>
     <a:masterClrMapping/>
   </p:clrMapOvr>
+  <p:timing>
+    <p:tnLst>
+      <p:par>
+        <p:cTn id="1" dur="indefinite" restart="never" nodeType="tmRoot"/>
+      </p:par>
+    </p:tnLst>
+  </p:timing>
 </p:sld>
 </file>
 
@@ -22080,6 +22337,13 @@
   <p:clrMapOvr>
     <a:masterClrMapping/>
   </p:clrMapOvr>
+  <p:timing>
+    <p:tnLst>
+      <p:par>
+        <p:cTn id="1" dur="indefinite" restart="never" nodeType="tmRoot"/>
+      </p:par>
+    </p:tnLst>
+  </p:timing>
 </p:sld>
 </file>
 
@@ -22429,6 +22693,13 @@
   <p:clrMapOvr>
     <a:masterClrMapping/>
   </p:clrMapOvr>
+  <p:timing>
+    <p:tnLst>
+      <p:par>
+        <p:cTn id="1" dur="indefinite" restart="never" nodeType="tmRoot"/>
+      </p:par>
+    </p:tnLst>
+  </p:timing>
 </p:sld>
 </file>
 
@@ -22858,6 +23129,13 @@
   <p:clrMapOvr>
     <a:masterClrMapping/>
   </p:clrMapOvr>
+  <p:timing>
+    <p:tnLst>
+      <p:par>
+        <p:cTn id="1" dur="indefinite" restart="never" nodeType="tmRoot"/>
+      </p:par>
+    </p:tnLst>
+  </p:timing>
 </p:sld>
 </file>
 
@@ -23158,6 +23436,13 @@
   <p:clrMapOvr>
     <a:masterClrMapping/>
   </p:clrMapOvr>
+  <p:timing>
+    <p:tnLst>
+      <p:par>
+        <p:cTn id="1" dur="indefinite" restart="never" nodeType="tmRoot"/>
+      </p:par>
+    </p:tnLst>
+  </p:timing>
 </p:sld>
 </file>
 
@@ -23556,6 +23841,13 @@
   <p:clrMapOvr>
     <a:masterClrMapping/>
   </p:clrMapOvr>
+  <p:timing>
+    <p:tnLst>
+      <p:par>
+        <p:cTn id="1" dur="indefinite" restart="never" nodeType="tmRoot"/>
+      </p:par>
+    </p:tnLst>
+  </p:timing>
 </p:sld>
 </file>
 

--- a/01-linux.pptx
+++ b/01-linux.pptx
@@ -33,7 +33,7 @@
     <p:sldId id="341" r:id="rId24"/>
     <p:sldId id="342" r:id="rId25"/>
     <p:sldId id="343" r:id="rId26"/>
-    <p:sldId id="336" r:id="rId27"/>
+    <p:sldId id="349" r:id="rId27"/>
     <p:sldId id="333" r:id="rId28"/>
     <p:sldId id="335" r:id="rId29"/>
     <p:sldId id="337" r:id="rId30"/>
@@ -14337,1269 +14337,1252 @@
           </a:p>
         </p:txBody>
       </p:sp>
-      <p:grpSp>
-        <p:nvGrpSpPr>
-          <p:cNvPr id="5" name="그룹 4"/>
-          <p:cNvGrpSpPr/>
+      <p:sp>
+        <p:nvSpPr>
+          <p:cNvPr id="6" name="TextBox 5"/>
+          <p:cNvSpPr txBox="1"/>
           <p:nvPr/>
-        </p:nvGrpSpPr>
-        <p:grpSpPr>
+        </p:nvSpPr>
+        <p:spPr>
           <a:xfrm>
-            <a:off x="478190" y="1828800"/>
-            <a:ext cx="7676977" cy="2983831"/>
-            <a:chOff x="1784658" y="1424539"/>
-            <a:chExt cx="7543184" cy="2995938"/>
+            <a:off x="4295309" y="1828800"/>
+            <a:ext cx="280934" cy="367839"/>
           </a:xfrm>
-        </p:grpSpPr>
-        <p:sp>
-          <p:nvSpPr>
-            <p:cNvPr id="6" name="TextBox 5"/>
-            <p:cNvSpPr txBox="1"/>
-            <p:nvPr/>
-          </p:nvSpPr>
-          <p:spPr>
-            <a:xfrm>
-              <a:off x="5535253" y="1424539"/>
-              <a:ext cx="276038" cy="369332"/>
-            </a:xfrm>
-            <a:prstGeom prst="rect">
-              <a:avLst/>
-            </a:prstGeom>
-            <a:noFill/>
-          </p:spPr>
-          <p:txBody>
-            <a:bodyPr wrap="none" rtlCol="0">
-              <a:spAutoFit/>
-            </a:bodyPr>
-            <a:lstStyle/>
-            <a:p>
-              <a:r>
-                <a:rPr lang="en-US" altLang="ko-KR" dirty="0" smtClean="0"/>
-                <a:t>/</a:t>
-              </a:r>
-              <a:endParaRPr lang="ko-KR" altLang="en-US" dirty="0"/>
-            </a:p>
-          </p:txBody>
-        </p:sp>
-        <p:sp>
-          <p:nvSpPr>
-            <p:cNvPr id="7" name="TextBox 6"/>
-            <p:cNvSpPr txBox="1"/>
-            <p:nvPr/>
-          </p:nvSpPr>
-          <p:spPr>
-            <a:xfrm>
-              <a:off x="1784658" y="2685947"/>
-              <a:ext cx="511679" cy="369332"/>
-            </a:xfrm>
-            <a:prstGeom prst="rect">
-              <a:avLst/>
-            </a:prstGeom>
-            <a:noFill/>
-          </p:spPr>
-          <p:txBody>
-            <a:bodyPr wrap="square" rtlCol="0">
-              <a:spAutoFit/>
-            </a:bodyPr>
-            <a:lstStyle/>
-            <a:p>
-              <a:r>
-                <a:rPr lang="en-US" altLang="ko-KR" dirty="0" smtClean="0"/>
-                <a:t>bin</a:t>
-              </a:r>
-              <a:endParaRPr lang="ko-KR" altLang="en-US" dirty="0"/>
-            </a:p>
-          </p:txBody>
-        </p:sp>
-        <p:sp>
-          <p:nvSpPr>
-            <p:cNvPr id="8" name="TextBox 7"/>
-            <p:cNvSpPr txBox="1"/>
-            <p:nvPr/>
-          </p:nvSpPr>
-          <p:spPr>
-            <a:xfrm>
-              <a:off x="2330888" y="2681283"/>
-              <a:ext cx="678391" cy="369332"/>
-            </a:xfrm>
-            <a:prstGeom prst="rect">
-              <a:avLst/>
-            </a:prstGeom>
-            <a:noFill/>
-          </p:spPr>
-          <p:txBody>
-            <a:bodyPr wrap="square" rtlCol="0">
-              <a:spAutoFit/>
-            </a:bodyPr>
-            <a:lstStyle/>
-            <a:p>
-              <a:r>
-                <a:rPr lang="en-US" altLang="ko-KR" dirty="0" smtClean="0"/>
-                <a:t>boot</a:t>
-              </a:r>
-              <a:endParaRPr lang="ko-KR" altLang="en-US" dirty="0"/>
-            </a:p>
-          </p:txBody>
-        </p:sp>
-        <p:sp>
-          <p:nvSpPr>
-            <p:cNvPr id="9" name="TextBox 8"/>
-            <p:cNvSpPr txBox="1"/>
-            <p:nvPr/>
-          </p:nvSpPr>
-          <p:spPr>
-            <a:xfrm>
-              <a:off x="3043830" y="2667290"/>
-              <a:ext cx="559769" cy="369332"/>
-            </a:xfrm>
-            <a:prstGeom prst="rect">
-              <a:avLst/>
-            </a:prstGeom>
-            <a:noFill/>
-          </p:spPr>
-          <p:txBody>
-            <a:bodyPr wrap="square" rtlCol="0">
-              <a:spAutoFit/>
-            </a:bodyPr>
-            <a:lstStyle/>
-            <a:p>
-              <a:r>
-                <a:rPr lang="en-US" altLang="ko-KR" dirty="0" smtClean="0"/>
-                <a:t>dev</a:t>
-              </a:r>
-              <a:endParaRPr lang="ko-KR" altLang="en-US" dirty="0"/>
-            </a:p>
-          </p:txBody>
-        </p:sp>
-        <p:sp>
-          <p:nvSpPr>
-            <p:cNvPr id="10" name="TextBox 9"/>
-            <p:cNvSpPr txBox="1"/>
-            <p:nvPr/>
-          </p:nvSpPr>
-          <p:spPr>
-            <a:xfrm>
-              <a:off x="3638150" y="2652704"/>
-              <a:ext cx="493981" cy="369332"/>
-            </a:xfrm>
-            <a:prstGeom prst="rect">
-              <a:avLst/>
-            </a:prstGeom>
-            <a:noFill/>
-          </p:spPr>
-          <p:txBody>
-            <a:bodyPr wrap="square" rtlCol="0">
-              <a:spAutoFit/>
-            </a:bodyPr>
-            <a:lstStyle/>
-            <a:p>
-              <a:r>
-                <a:rPr lang="en-US" altLang="ko-KR" dirty="0" err="1" smtClean="0"/>
-                <a:t>etc</a:t>
-              </a:r>
-              <a:endParaRPr lang="ko-KR" altLang="en-US" dirty="0"/>
-            </a:p>
-          </p:txBody>
-        </p:sp>
-        <p:sp>
-          <p:nvSpPr>
-            <p:cNvPr id="11" name="TextBox 10"/>
-            <p:cNvSpPr txBox="1"/>
-            <p:nvPr/>
-          </p:nvSpPr>
-          <p:spPr>
-            <a:xfrm>
-              <a:off x="4166682" y="2667290"/>
-              <a:ext cx="782587" cy="369332"/>
-            </a:xfrm>
-            <a:prstGeom prst="rect">
-              <a:avLst/>
-            </a:prstGeom>
-            <a:noFill/>
-          </p:spPr>
-          <p:txBody>
-            <a:bodyPr wrap="square" rtlCol="0">
-              <a:spAutoFit/>
-            </a:bodyPr>
-            <a:lstStyle/>
-            <a:p>
-              <a:r>
-                <a:rPr lang="en-US" altLang="ko-KR" dirty="0" smtClean="0">
-                  <a:solidFill>
-                    <a:srgbClr val="0000FF"/>
-                  </a:solidFill>
-                </a:rPr>
-                <a:t>home</a:t>
-              </a:r>
-              <a:endParaRPr lang="ko-KR" altLang="en-US" dirty="0">
+          <a:prstGeom prst="rect">
+            <a:avLst/>
+          </a:prstGeom>
+          <a:noFill/>
+        </p:spPr>
+        <p:txBody>
+          <a:bodyPr wrap="none" rtlCol="0">
+            <a:spAutoFit/>
+          </a:bodyPr>
+          <a:lstStyle/>
+          <a:p>
+            <a:r>
+              <a:rPr lang="en-US" altLang="ko-KR" dirty="0" smtClean="0"/>
+              <a:t>/</a:t>
+            </a:r>
+            <a:endParaRPr lang="ko-KR" altLang="en-US" dirty="0"/>
+          </a:p>
+        </p:txBody>
+      </p:sp>
+      <p:sp>
+        <p:nvSpPr>
+          <p:cNvPr id="7" name="TextBox 6"/>
+          <p:cNvSpPr txBox="1"/>
+          <p:nvPr/>
+        </p:nvSpPr>
+        <p:spPr>
+          <a:xfrm>
+            <a:off x="478190" y="3085110"/>
+            <a:ext cx="520755" cy="367839"/>
+          </a:xfrm>
+          <a:prstGeom prst="rect">
+            <a:avLst/>
+          </a:prstGeom>
+          <a:noFill/>
+        </p:spPr>
+        <p:txBody>
+          <a:bodyPr wrap="square" rtlCol="0">
+            <a:spAutoFit/>
+          </a:bodyPr>
+          <a:lstStyle/>
+          <a:p>
+            <a:r>
+              <a:rPr lang="en-US" altLang="ko-KR" dirty="0" smtClean="0"/>
+              <a:t>bin</a:t>
+            </a:r>
+            <a:endParaRPr lang="ko-KR" altLang="en-US" dirty="0"/>
+          </a:p>
+        </p:txBody>
+      </p:sp>
+      <p:sp>
+        <p:nvSpPr>
+          <p:cNvPr id="8" name="TextBox 7"/>
+          <p:cNvSpPr txBox="1"/>
+          <p:nvPr/>
+        </p:nvSpPr>
+        <p:spPr>
+          <a:xfrm>
+            <a:off x="1034108" y="3080465"/>
+            <a:ext cx="690424" cy="367839"/>
+          </a:xfrm>
+          <a:prstGeom prst="rect">
+            <a:avLst/>
+          </a:prstGeom>
+          <a:noFill/>
+        </p:spPr>
+        <p:txBody>
+          <a:bodyPr wrap="square" rtlCol="0">
+            <a:spAutoFit/>
+          </a:bodyPr>
+          <a:lstStyle/>
+          <a:p>
+            <a:r>
+              <a:rPr lang="en-US" altLang="ko-KR" dirty="0" smtClean="0"/>
+              <a:t>boot</a:t>
+            </a:r>
+            <a:endParaRPr lang="ko-KR" altLang="en-US" dirty="0"/>
+          </a:p>
+        </p:txBody>
+      </p:sp>
+      <p:sp>
+        <p:nvSpPr>
+          <p:cNvPr id="9" name="TextBox 8"/>
+          <p:cNvSpPr txBox="1"/>
+          <p:nvPr/>
+        </p:nvSpPr>
+        <p:spPr>
+          <a:xfrm>
+            <a:off x="1759696" y="3066529"/>
+            <a:ext cx="569698" cy="367839"/>
+          </a:xfrm>
+          <a:prstGeom prst="rect">
+            <a:avLst/>
+          </a:prstGeom>
+          <a:noFill/>
+        </p:spPr>
+        <p:txBody>
+          <a:bodyPr wrap="square" rtlCol="0">
+            <a:spAutoFit/>
+          </a:bodyPr>
+          <a:lstStyle/>
+          <a:p>
+            <a:r>
+              <a:rPr lang="en-US" altLang="ko-KR" dirty="0" smtClean="0"/>
+              <a:t>dev</a:t>
+            </a:r>
+            <a:endParaRPr lang="ko-KR" altLang="en-US" dirty="0"/>
+          </a:p>
+        </p:txBody>
+      </p:sp>
+      <p:sp>
+        <p:nvSpPr>
+          <p:cNvPr id="10" name="TextBox 9"/>
+          <p:cNvSpPr txBox="1"/>
+          <p:nvPr/>
+        </p:nvSpPr>
+        <p:spPr>
+          <a:xfrm>
+            <a:off x="2364557" y="3052002"/>
+            <a:ext cx="502743" cy="367839"/>
+          </a:xfrm>
+          <a:prstGeom prst="rect">
+            <a:avLst/>
+          </a:prstGeom>
+          <a:noFill/>
+        </p:spPr>
+        <p:txBody>
+          <a:bodyPr wrap="square" rtlCol="0">
+            <a:spAutoFit/>
+          </a:bodyPr>
+          <a:lstStyle/>
+          <a:p>
+            <a:r>
+              <a:rPr lang="en-US" altLang="ko-KR" dirty="0" err="1" smtClean="0"/>
+              <a:t>etc</a:t>
+            </a:r>
+            <a:endParaRPr lang="ko-KR" altLang="en-US" dirty="0"/>
+          </a:p>
+        </p:txBody>
+      </p:sp>
+      <p:sp>
+        <p:nvSpPr>
+          <p:cNvPr id="11" name="TextBox 10"/>
+          <p:cNvSpPr txBox="1"/>
+          <p:nvPr/>
+        </p:nvSpPr>
+        <p:spPr>
+          <a:xfrm>
+            <a:off x="2902464" y="3066529"/>
+            <a:ext cx="796468" cy="367839"/>
+          </a:xfrm>
+          <a:prstGeom prst="rect">
+            <a:avLst/>
+          </a:prstGeom>
+          <a:noFill/>
+        </p:spPr>
+        <p:txBody>
+          <a:bodyPr wrap="square" rtlCol="0">
+            <a:spAutoFit/>
+          </a:bodyPr>
+          <a:lstStyle/>
+          <a:p>
+            <a:r>
+              <a:rPr lang="en-US" altLang="ko-KR" dirty="0" smtClean="0">
                 <a:solidFill>
                   <a:srgbClr val="0000FF"/>
                 </a:solidFill>
-              </a:endParaRPr>
-            </a:p>
-          </p:txBody>
-        </p:sp>
-        <p:sp>
-          <p:nvSpPr>
-            <p:cNvPr id="12" name="TextBox 11"/>
-            <p:cNvSpPr txBox="1"/>
-            <p:nvPr/>
-          </p:nvSpPr>
-          <p:spPr>
-            <a:xfrm>
-              <a:off x="4983820" y="2667290"/>
-              <a:ext cx="827471" cy="369332"/>
-            </a:xfrm>
-            <a:prstGeom prst="rect">
-              <a:avLst/>
-            </a:prstGeom>
+              </a:rPr>
+              <a:t>home</a:t>
+            </a:r>
+            <a:endParaRPr lang="ko-KR" altLang="en-US" dirty="0">
+              <a:solidFill>
+                <a:srgbClr val="0000FF"/>
+              </a:solidFill>
+            </a:endParaRPr>
+          </a:p>
+        </p:txBody>
+      </p:sp>
+      <p:sp>
+        <p:nvSpPr>
+          <p:cNvPr id="12" name="TextBox 11"/>
+          <p:cNvSpPr txBox="1"/>
+          <p:nvPr/>
+        </p:nvSpPr>
+        <p:spPr>
+          <a:xfrm>
+            <a:off x="3734095" y="3066529"/>
+            <a:ext cx="842148" cy="367839"/>
+          </a:xfrm>
+          <a:prstGeom prst="rect">
+            <a:avLst/>
+          </a:prstGeom>
+          <a:noFill/>
+        </p:spPr>
+        <p:txBody>
+          <a:bodyPr wrap="square" rtlCol="0">
+            <a:spAutoFit/>
+          </a:bodyPr>
+          <a:lstStyle/>
+          <a:p>
+            <a:r>
+              <a:rPr lang="en-US" altLang="ko-KR" dirty="0" smtClean="0"/>
+              <a:t>media</a:t>
+            </a:r>
+            <a:endParaRPr lang="ko-KR" altLang="en-US" dirty="0"/>
+          </a:p>
+        </p:txBody>
+      </p:sp>
+      <p:sp>
+        <p:nvSpPr>
+          <p:cNvPr id="13" name="TextBox 12"/>
+          <p:cNvSpPr txBox="1"/>
+          <p:nvPr/>
+        </p:nvSpPr>
+        <p:spPr>
+          <a:xfrm>
+            <a:off x="4611407" y="3066529"/>
+            <a:ext cx="617009" cy="367839"/>
+          </a:xfrm>
+          <a:prstGeom prst="rect">
+            <a:avLst/>
+          </a:prstGeom>
+          <a:noFill/>
+        </p:spPr>
+        <p:txBody>
+          <a:bodyPr wrap="square" rtlCol="0">
+            <a:spAutoFit/>
+          </a:bodyPr>
+          <a:lstStyle/>
+          <a:p>
+            <a:r>
+              <a:rPr lang="en-US" altLang="ko-KR" dirty="0" err="1" smtClean="0"/>
+              <a:t>tmp</a:t>
+            </a:r>
+            <a:endParaRPr lang="ko-KR" altLang="en-US" dirty="0"/>
+          </a:p>
+        </p:txBody>
+      </p:sp>
+      <p:sp>
+        <p:nvSpPr>
+          <p:cNvPr id="14" name="TextBox 13"/>
+          <p:cNvSpPr txBox="1"/>
+          <p:nvPr/>
+        </p:nvSpPr>
+        <p:spPr>
+          <a:xfrm>
+            <a:off x="5263580" y="3066529"/>
+            <a:ext cx="612115" cy="367839"/>
+          </a:xfrm>
+          <a:prstGeom prst="rect">
+            <a:avLst/>
+          </a:prstGeom>
+          <a:noFill/>
+        </p:spPr>
+        <p:txBody>
+          <a:bodyPr wrap="square" rtlCol="0">
+            <a:spAutoFit/>
+          </a:bodyPr>
+          <a:lstStyle/>
+          <a:p>
+            <a:r>
+              <a:rPr lang="en-US" altLang="ko-KR" dirty="0" err="1" smtClean="0"/>
+              <a:t>mnt</a:t>
+            </a:r>
+            <a:endParaRPr lang="ko-KR" altLang="en-US" dirty="0"/>
+          </a:p>
+        </p:txBody>
+      </p:sp>
+      <p:sp>
+        <p:nvSpPr>
+          <p:cNvPr id="15" name="TextBox 14"/>
+          <p:cNvSpPr txBox="1"/>
+          <p:nvPr/>
+        </p:nvSpPr>
+        <p:spPr>
+          <a:xfrm>
+            <a:off x="5910859" y="3066529"/>
+            <a:ext cx="621903" cy="367839"/>
+          </a:xfrm>
+          <a:prstGeom prst="rect">
+            <a:avLst/>
+          </a:prstGeom>
+          <a:noFill/>
+        </p:spPr>
+        <p:txBody>
+          <a:bodyPr wrap="square" rtlCol="0">
+            <a:spAutoFit/>
+          </a:bodyPr>
+          <a:lstStyle/>
+          <a:p>
+            <a:r>
+              <a:rPr lang="en-US" altLang="ko-KR" dirty="0" err="1" smtClean="0"/>
+              <a:t>sbin</a:t>
+            </a:r>
+            <a:endParaRPr lang="ko-KR" altLang="en-US" dirty="0"/>
+          </a:p>
+        </p:txBody>
+      </p:sp>
+      <p:sp>
+        <p:nvSpPr>
+          <p:cNvPr id="16" name="TextBox 15"/>
+          <p:cNvSpPr txBox="1"/>
+          <p:nvPr/>
+        </p:nvSpPr>
+        <p:spPr>
+          <a:xfrm>
+            <a:off x="6567926" y="3066529"/>
+            <a:ext cx="506072" cy="367839"/>
+          </a:xfrm>
+          <a:prstGeom prst="rect">
+            <a:avLst/>
+          </a:prstGeom>
+          <a:noFill/>
+        </p:spPr>
+        <p:txBody>
+          <a:bodyPr wrap="square" rtlCol="0">
+            <a:spAutoFit/>
+          </a:bodyPr>
+          <a:lstStyle/>
+          <a:p>
+            <a:r>
+              <a:rPr lang="en-US" altLang="ko-KR" dirty="0" smtClean="0"/>
+              <a:t>sys</a:t>
+            </a:r>
+            <a:endParaRPr lang="ko-KR" altLang="en-US" dirty="0"/>
+          </a:p>
+        </p:txBody>
+      </p:sp>
+      <p:sp>
+        <p:nvSpPr>
+          <p:cNvPr id="17" name="TextBox 16"/>
+          <p:cNvSpPr txBox="1"/>
+          <p:nvPr/>
+        </p:nvSpPr>
+        <p:spPr>
+          <a:xfrm>
+            <a:off x="7109161" y="3066529"/>
+            <a:ext cx="507703" cy="367839"/>
+          </a:xfrm>
+          <a:prstGeom prst="rect">
+            <a:avLst/>
+          </a:prstGeom>
+          <a:noFill/>
+        </p:spPr>
+        <p:txBody>
+          <a:bodyPr wrap="square" rtlCol="0">
+            <a:spAutoFit/>
+          </a:bodyPr>
+          <a:lstStyle/>
+          <a:p>
+            <a:r>
+              <a:rPr lang="en-US" altLang="ko-KR" dirty="0" err="1" smtClean="0"/>
+              <a:t>usr</a:t>
+            </a:r>
+            <a:endParaRPr lang="ko-KR" altLang="en-US" dirty="0"/>
+          </a:p>
+        </p:txBody>
+      </p:sp>
+      <p:sp>
+        <p:nvSpPr>
+          <p:cNvPr id="18" name="TextBox 17"/>
+          <p:cNvSpPr txBox="1"/>
+          <p:nvPr/>
+        </p:nvSpPr>
+        <p:spPr>
+          <a:xfrm>
+            <a:off x="7652032" y="3066529"/>
+            <a:ext cx="503135" cy="367839"/>
+          </a:xfrm>
+          <a:prstGeom prst="rect">
+            <a:avLst/>
+          </a:prstGeom>
+          <a:noFill/>
+        </p:spPr>
+        <p:txBody>
+          <a:bodyPr wrap="square" rtlCol="0">
+            <a:spAutoFit/>
+          </a:bodyPr>
+          <a:lstStyle/>
+          <a:p>
+            <a:r>
+              <a:rPr lang="en-US" altLang="ko-KR" dirty="0" err="1" smtClean="0"/>
+              <a:t>var</a:t>
+            </a:r>
+            <a:endParaRPr lang="ko-KR" altLang="en-US" dirty="0"/>
+          </a:p>
+        </p:txBody>
+      </p:sp>
+      <p:cxnSp>
+        <p:nvCxnSpPr>
+          <p:cNvPr id="19" name="직선 연결선 18"/>
+          <p:cNvCxnSpPr>
+            <a:stCxn id="7" idx="0"/>
+            <a:endCxn id="6" idx="2"/>
+          </p:cNvCxnSpPr>
+          <p:nvPr/>
+        </p:nvCxnSpPr>
+        <p:spPr>
+          <a:xfrm flipV="1">
+            <a:off x="738568" y="2196639"/>
+            <a:ext cx="3697208" cy="888471"/>
+          </a:xfrm>
+          <a:prstGeom prst="line">
+            <a:avLst/>
+          </a:prstGeom>
+          <a:ln>
+            <a:solidFill>
+              <a:schemeClr val="tx1">
+                <a:lumMod val="65000"/>
+                <a:lumOff val="35000"/>
+              </a:schemeClr>
+            </a:solidFill>
+          </a:ln>
+        </p:spPr>
+        <p:style>
+          <a:lnRef idx="1">
+            <a:schemeClr val="accent1"/>
+          </a:lnRef>
+          <a:fillRef idx="0">
+            <a:schemeClr val="accent1"/>
+          </a:fillRef>
+          <a:effectRef idx="0">
+            <a:schemeClr val="accent1"/>
+          </a:effectRef>
+          <a:fontRef idx="minor">
+            <a:schemeClr val="tx1"/>
+          </a:fontRef>
+        </p:style>
+      </p:cxnSp>
+      <p:cxnSp>
+        <p:nvCxnSpPr>
+          <p:cNvPr id="20" name="직선 연결선 19"/>
+          <p:cNvCxnSpPr>
+            <a:stCxn id="8" idx="0"/>
+            <a:endCxn id="6" idx="2"/>
+          </p:cNvCxnSpPr>
+          <p:nvPr/>
+        </p:nvCxnSpPr>
+        <p:spPr>
+          <a:xfrm flipV="1">
+            <a:off x="1379321" y="2196639"/>
+            <a:ext cx="3056455" cy="883826"/>
+          </a:xfrm>
+          <a:prstGeom prst="line">
+            <a:avLst/>
+          </a:prstGeom>
+          <a:ln>
+            <a:solidFill>
+              <a:schemeClr val="tx1">
+                <a:lumMod val="65000"/>
+                <a:lumOff val="35000"/>
+              </a:schemeClr>
+            </a:solidFill>
+          </a:ln>
+        </p:spPr>
+        <p:style>
+          <a:lnRef idx="1">
+            <a:schemeClr val="accent1"/>
+          </a:lnRef>
+          <a:fillRef idx="0">
+            <a:schemeClr val="accent1"/>
+          </a:fillRef>
+          <a:effectRef idx="0">
+            <a:schemeClr val="accent1"/>
+          </a:effectRef>
+          <a:fontRef idx="minor">
+            <a:schemeClr val="tx1"/>
+          </a:fontRef>
+        </p:style>
+      </p:cxnSp>
+      <p:cxnSp>
+        <p:nvCxnSpPr>
+          <p:cNvPr id="21" name="직선 연결선 20"/>
+          <p:cNvCxnSpPr>
+            <a:stCxn id="9" idx="0"/>
+            <a:endCxn id="6" idx="2"/>
+          </p:cNvCxnSpPr>
+          <p:nvPr/>
+        </p:nvCxnSpPr>
+        <p:spPr>
+          <a:xfrm flipV="1">
+            <a:off x="2044545" y="2196639"/>
+            <a:ext cx="2391231" cy="869889"/>
+          </a:xfrm>
+          <a:prstGeom prst="line">
+            <a:avLst/>
+          </a:prstGeom>
+          <a:ln>
+            <a:solidFill>
+              <a:schemeClr val="tx1">
+                <a:lumMod val="65000"/>
+                <a:lumOff val="35000"/>
+              </a:schemeClr>
+            </a:solidFill>
+          </a:ln>
+        </p:spPr>
+        <p:style>
+          <a:lnRef idx="1">
+            <a:schemeClr val="accent1"/>
+          </a:lnRef>
+          <a:fillRef idx="0">
+            <a:schemeClr val="accent1"/>
+          </a:fillRef>
+          <a:effectRef idx="0">
+            <a:schemeClr val="accent1"/>
+          </a:effectRef>
+          <a:fontRef idx="minor">
+            <a:schemeClr val="tx1"/>
+          </a:fontRef>
+        </p:style>
+      </p:cxnSp>
+      <p:cxnSp>
+        <p:nvCxnSpPr>
+          <p:cNvPr id="22" name="직선 연결선 21"/>
+          <p:cNvCxnSpPr>
+            <a:stCxn id="10" idx="0"/>
+            <a:endCxn id="6" idx="2"/>
+          </p:cNvCxnSpPr>
+          <p:nvPr/>
+        </p:nvCxnSpPr>
+        <p:spPr>
+          <a:xfrm flipV="1">
+            <a:off x="2615929" y="2196639"/>
+            <a:ext cx="1819847" cy="855362"/>
+          </a:xfrm>
+          <a:prstGeom prst="line">
+            <a:avLst/>
+          </a:prstGeom>
+          <a:ln>
+            <a:solidFill>
+              <a:schemeClr val="tx1">
+                <a:lumMod val="65000"/>
+                <a:lumOff val="35000"/>
+              </a:schemeClr>
+            </a:solidFill>
+          </a:ln>
+        </p:spPr>
+        <p:style>
+          <a:lnRef idx="1">
+            <a:schemeClr val="accent1"/>
+          </a:lnRef>
+          <a:fillRef idx="0">
+            <a:schemeClr val="accent1"/>
+          </a:fillRef>
+          <a:effectRef idx="0">
+            <a:schemeClr val="accent1"/>
+          </a:effectRef>
+          <a:fontRef idx="minor">
+            <a:schemeClr val="tx1"/>
+          </a:fontRef>
+        </p:style>
+      </p:cxnSp>
+      <p:cxnSp>
+        <p:nvCxnSpPr>
+          <p:cNvPr id="23" name="직선 연결선 22"/>
+          <p:cNvCxnSpPr>
+            <a:stCxn id="11" idx="0"/>
+            <a:endCxn id="6" idx="2"/>
+          </p:cNvCxnSpPr>
+          <p:nvPr/>
+        </p:nvCxnSpPr>
+        <p:spPr>
+          <a:xfrm flipV="1">
+            <a:off x="3300698" y="2196639"/>
+            <a:ext cx="1135078" cy="869889"/>
+          </a:xfrm>
+          <a:prstGeom prst="line">
+            <a:avLst/>
+          </a:prstGeom>
+          <a:ln>
+            <a:solidFill>
+              <a:schemeClr val="tx1">
+                <a:lumMod val="65000"/>
+                <a:lumOff val="35000"/>
+              </a:schemeClr>
+            </a:solidFill>
+          </a:ln>
+        </p:spPr>
+        <p:style>
+          <a:lnRef idx="1">
+            <a:schemeClr val="accent1"/>
+          </a:lnRef>
+          <a:fillRef idx="0">
+            <a:schemeClr val="accent1"/>
+          </a:fillRef>
+          <a:effectRef idx="0">
+            <a:schemeClr val="accent1"/>
+          </a:effectRef>
+          <a:fontRef idx="minor">
+            <a:schemeClr val="tx1"/>
+          </a:fontRef>
+        </p:style>
+      </p:cxnSp>
+      <p:cxnSp>
+        <p:nvCxnSpPr>
+          <p:cNvPr id="24" name="직선 연결선 23"/>
+          <p:cNvCxnSpPr>
+            <a:stCxn id="12" idx="0"/>
+            <a:endCxn id="6" idx="2"/>
+          </p:cNvCxnSpPr>
+          <p:nvPr/>
+        </p:nvCxnSpPr>
+        <p:spPr>
+          <a:xfrm flipV="1">
+            <a:off x="4155170" y="2196639"/>
+            <a:ext cx="280606" cy="869889"/>
+          </a:xfrm>
+          <a:prstGeom prst="line">
+            <a:avLst/>
+          </a:prstGeom>
+          <a:ln>
+            <a:solidFill>
+              <a:schemeClr val="tx1">
+                <a:lumMod val="65000"/>
+                <a:lumOff val="35000"/>
+              </a:schemeClr>
+            </a:solidFill>
+          </a:ln>
+        </p:spPr>
+        <p:style>
+          <a:lnRef idx="1">
+            <a:schemeClr val="accent1"/>
+          </a:lnRef>
+          <a:fillRef idx="0">
+            <a:schemeClr val="accent1"/>
+          </a:fillRef>
+          <a:effectRef idx="0">
+            <a:schemeClr val="accent1"/>
+          </a:effectRef>
+          <a:fontRef idx="minor">
+            <a:schemeClr val="tx1"/>
+          </a:fontRef>
+        </p:style>
+      </p:cxnSp>
+      <p:cxnSp>
+        <p:nvCxnSpPr>
+          <p:cNvPr id="25" name="직선 연결선 24"/>
+          <p:cNvCxnSpPr>
+            <a:stCxn id="13" idx="0"/>
+            <a:endCxn id="6" idx="2"/>
+          </p:cNvCxnSpPr>
+          <p:nvPr/>
+        </p:nvCxnSpPr>
+        <p:spPr>
+          <a:xfrm flipH="1" flipV="1">
+            <a:off x="4435776" y="2196639"/>
+            <a:ext cx="484135" cy="869889"/>
+          </a:xfrm>
+          <a:prstGeom prst="line">
+            <a:avLst/>
+          </a:prstGeom>
+          <a:ln>
+            <a:solidFill>
+              <a:schemeClr val="tx1">
+                <a:lumMod val="65000"/>
+                <a:lumOff val="35000"/>
+              </a:schemeClr>
+            </a:solidFill>
+          </a:ln>
+        </p:spPr>
+        <p:style>
+          <a:lnRef idx="1">
+            <a:schemeClr val="accent1"/>
+          </a:lnRef>
+          <a:fillRef idx="0">
+            <a:schemeClr val="accent1"/>
+          </a:fillRef>
+          <a:effectRef idx="0">
+            <a:schemeClr val="accent1"/>
+          </a:effectRef>
+          <a:fontRef idx="minor">
+            <a:schemeClr val="tx1"/>
+          </a:fontRef>
+        </p:style>
+      </p:cxnSp>
+      <p:cxnSp>
+        <p:nvCxnSpPr>
+          <p:cNvPr id="26" name="직선 연결선 25"/>
+          <p:cNvCxnSpPr>
+            <a:stCxn id="14" idx="0"/>
+            <a:endCxn id="6" idx="2"/>
+          </p:cNvCxnSpPr>
+          <p:nvPr/>
+        </p:nvCxnSpPr>
+        <p:spPr>
+          <a:xfrm flipH="1" flipV="1">
+            <a:off x="4435776" y="2196639"/>
+            <a:ext cx="1133862" cy="869889"/>
+          </a:xfrm>
+          <a:prstGeom prst="line">
+            <a:avLst/>
+          </a:prstGeom>
+          <a:ln>
+            <a:solidFill>
+              <a:schemeClr val="tx1">
+                <a:lumMod val="65000"/>
+                <a:lumOff val="35000"/>
+              </a:schemeClr>
+            </a:solidFill>
+          </a:ln>
+        </p:spPr>
+        <p:style>
+          <a:lnRef idx="1">
+            <a:schemeClr val="accent1"/>
+          </a:lnRef>
+          <a:fillRef idx="0">
+            <a:schemeClr val="accent1"/>
+          </a:fillRef>
+          <a:effectRef idx="0">
+            <a:schemeClr val="accent1"/>
+          </a:effectRef>
+          <a:fontRef idx="minor">
+            <a:schemeClr val="tx1"/>
+          </a:fontRef>
+        </p:style>
+      </p:cxnSp>
+      <p:cxnSp>
+        <p:nvCxnSpPr>
+          <p:cNvPr id="27" name="직선 연결선 26"/>
+          <p:cNvCxnSpPr>
+            <a:stCxn id="15" idx="0"/>
+            <a:endCxn id="6" idx="2"/>
+          </p:cNvCxnSpPr>
+          <p:nvPr/>
+        </p:nvCxnSpPr>
+        <p:spPr>
+          <a:xfrm flipH="1" flipV="1">
+            <a:off x="4435776" y="2196639"/>
+            <a:ext cx="1786035" cy="869889"/>
+          </a:xfrm>
+          <a:prstGeom prst="line">
+            <a:avLst/>
+          </a:prstGeom>
+          <a:ln>
+            <a:solidFill>
+              <a:schemeClr val="tx1">
+                <a:lumMod val="65000"/>
+                <a:lumOff val="35000"/>
+              </a:schemeClr>
+            </a:solidFill>
+          </a:ln>
+        </p:spPr>
+        <p:style>
+          <a:lnRef idx="1">
+            <a:schemeClr val="accent1"/>
+          </a:lnRef>
+          <a:fillRef idx="0">
+            <a:schemeClr val="accent1"/>
+          </a:fillRef>
+          <a:effectRef idx="0">
+            <a:schemeClr val="accent1"/>
+          </a:effectRef>
+          <a:fontRef idx="minor">
+            <a:schemeClr val="tx1"/>
+          </a:fontRef>
+        </p:style>
+      </p:cxnSp>
+      <p:cxnSp>
+        <p:nvCxnSpPr>
+          <p:cNvPr id="28" name="직선 연결선 27"/>
+          <p:cNvCxnSpPr>
+            <a:stCxn id="16" idx="0"/>
+            <a:endCxn id="6" idx="2"/>
+          </p:cNvCxnSpPr>
+          <p:nvPr/>
+        </p:nvCxnSpPr>
+        <p:spPr>
+          <a:xfrm flipH="1" flipV="1">
+            <a:off x="4435776" y="2196639"/>
+            <a:ext cx="2385186" cy="869889"/>
+          </a:xfrm>
+          <a:prstGeom prst="line">
+            <a:avLst/>
+          </a:prstGeom>
+          <a:ln>
+            <a:solidFill>
+              <a:schemeClr val="tx1">
+                <a:lumMod val="65000"/>
+                <a:lumOff val="35000"/>
+              </a:schemeClr>
+            </a:solidFill>
+          </a:ln>
+        </p:spPr>
+        <p:style>
+          <a:lnRef idx="1">
+            <a:schemeClr val="accent1"/>
+          </a:lnRef>
+          <a:fillRef idx="0">
+            <a:schemeClr val="accent1"/>
+          </a:fillRef>
+          <a:effectRef idx="0">
+            <a:schemeClr val="accent1"/>
+          </a:effectRef>
+          <a:fontRef idx="minor">
+            <a:schemeClr val="tx1"/>
+          </a:fontRef>
+        </p:style>
+      </p:cxnSp>
+      <p:cxnSp>
+        <p:nvCxnSpPr>
+          <p:cNvPr id="29" name="직선 연결선 28"/>
+          <p:cNvCxnSpPr>
+            <a:stCxn id="17" idx="0"/>
+            <a:endCxn id="6" idx="2"/>
+          </p:cNvCxnSpPr>
+          <p:nvPr/>
+        </p:nvCxnSpPr>
+        <p:spPr>
+          <a:xfrm flipH="1" flipV="1">
+            <a:off x="4435776" y="2196639"/>
+            <a:ext cx="2927237" cy="869889"/>
+          </a:xfrm>
+          <a:prstGeom prst="line">
+            <a:avLst/>
+          </a:prstGeom>
+          <a:ln>
+            <a:solidFill>
+              <a:schemeClr val="tx1">
+                <a:lumMod val="65000"/>
+                <a:lumOff val="35000"/>
+              </a:schemeClr>
+            </a:solidFill>
+          </a:ln>
+        </p:spPr>
+        <p:style>
+          <a:lnRef idx="1">
+            <a:schemeClr val="accent1"/>
+          </a:lnRef>
+          <a:fillRef idx="0">
+            <a:schemeClr val="accent1"/>
+          </a:fillRef>
+          <a:effectRef idx="0">
+            <a:schemeClr val="accent1"/>
+          </a:effectRef>
+          <a:fontRef idx="minor">
+            <a:schemeClr val="tx1"/>
+          </a:fontRef>
+        </p:style>
+      </p:cxnSp>
+      <p:cxnSp>
+        <p:nvCxnSpPr>
+          <p:cNvPr id="30" name="직선 연결선 29"/>
+          <p:cNvCxnSpPr>
+            <a:stCxn id="18" idx="0"/>
+            <a:endCxn id="6" idx="2"/>
+          </p:cNvCxnSpPr>
+          <p:nvPr/>
+        </p:nvCxnSpPr>
+        <p:spPr>
+          <a:xfrm flipH="1" flipV="1">
+            <a:off x="4435776" y="2196638"/>
+            <a:ext cx="3467824" cy="869889"/>
+          </a:xfrm>
+          <a:prstGeom prst="line">
+            <a:avLst/>
+          </a:prstGeom>
+          <a:ln>
+            <a:solidFill>
+              <a:schemeClr val="tx1">
+                <a:lumMod val="65000"/>
+                <a:lumOff val="35000"/>
+              </a:schemeClr>
+            </a:solidFill>
+          </a:ln>
+        </p:spPr>
+        <p:style>
+          <a:lnRef idx="1">
+            <a:schemeClr val="accent1"/>
+          </a:lnRef>
+          <a:fillRef idx="0">
+            <a:schemeClr val="accent1"/>
+          </a:fillRef>
+          <a:effectRef idx="0">
+            <a:schemeClr val="accent1"/>
+          </a:effectRef>
+          <a:fontRef idx="minor">
+            <a:schemeClr val="tx1"/>
+          </a:fontRef>
+        </p:style>
+      </p:cxnSp>
+      <p:sp>
+        <p:nvSpPr>
+          <p:cNvPr id="31" name="TextBox 30"/>
+          <p:cNvSpPr txBox="1"/>
+          <p:nvPr/>
+        </p:nvSpPr>
+        <p:spPr>
+          <a:xfrm>
+            <a:off x="2345830" y="4131492"/>
+            <a:ext cx="894330" cy="367839"/>
+          </a:xfrm>
+          <a:prstGeom prst="rect">
+            <a:avLst/>
+          </a:prstGeom>
+          <a:noFill/>
+          <a:ln>
             <a:noFill/>
-          </p:spPr>
-          <p:txBody>
-            <a:bodyPr wrap="square" rtlCol="0">
-              <a:spAutoFit/>
-            </a:bodyPr>
-            <a:lstStyle/>
-            <a:p>
-              <a:r>
-                <a:rPr lang="en-US" altLang="ko-KR" dirty="0" smtClean="0"/>
-                <a:t>media</a:t>
-              </a:r>
-              <a:endParaRPr lang="ko-KR" altLang="en-US" dirty="0"/>
-            </a:p>
-          </p:txBody>
-        </p:sp>
-        <p:sp>
-          <p:nvSpPr>
-            <p:cNvPr id="13" name="TextBox 12"/>
-            <p:cNvSpPr txBox="1"/>
-            <p:nvPr/>
-          </p:nvSpPr>
-          <p:spPr>
-            <a:xfrm>
-              <a:off x="5845842" y="2667290"/>
-              <a:ext cx="606256" cy="369332"/>
-            </a:xfrm>
-            <a:prstGeom prst="rect">
-              <a:avLst/>
-            </a:prstGeom>
-            <a:noFill/>
-          </p:spPr>
-          <p:txBody>
-            <a:bodyPr wrap="square" rtlCol="0">
-              <a:spAutoFit/>
-            </a:bodyPr>
-            <a:lstStyle/>
-            <a:p>
-              <a:r>
-                <a:rPr lang="en-US" altLang="ko-KR" dirty="0" err="1" smtClean="0"/>
-                <a:t>tmp</a:t>
-              </a:r>
-              <a:endParaRPr lang="ko-KR" altLang="en-US" dirty="0"/>
-            </a:p>
-          </p:txBody>
-        </p:sp>
-        <p:sp>
-          <p:nvSpPr>
-            <p:cNvPr id="14" name="TextBox 13"/>
-            <p:cNvSpPr txBox="1"/>
-            <p:nvPr/>
-          </p:nvSpPr>
-          <p:spPr>
-            <a:xfrm>
-              <a:off x="6486649" y="2667290"/>
-              <a:ext cx="601447" cy="369332"/>
-            </a:xfrm>
-            <a:prstGeom prst="rect">
-              <a:avLst/>
-            </a:prstGeom>
-            <a:noFill/>
-          </p:spPr>
-          <p:txBody>
-            <a:bodyPr wrap="square" rtlCol="0">
-              <a:spAutoFit/>
-            </a:bodyPr>
-            <a:lstStyle/>
-            <a:p>
-              <a:r>
-                <a:rPr lang="en-US" altLang="ko-KR" dirty="0" err="1" smtClean="0"/>
-                <a:t>mnt</a:t>
-              </a:r>
-              <a:endParaRPr lang="ko-KR" altLang="en-US" dirty="0"/>
-            </a:p>
-          </p:txBody>
-        </p:sp>
-        <p:sp>
-          <p:nvSpPr>
-            <p:cNvPr id="15" name="TextBox 14"/>
-            <p:cNvSpPr txBox="1"/>
-            <p:nvPr/>
-          </p:nvSpPr>
-          <p:spPr>
-            <a:xfrm>
-              <a:off x="7122647" y="2667290"/>
-              <a:ext cx="611065" cy="369332"/>
-            </a:xfrm>
-            <a:prstGeom prst="rect">
-              <a:avLst/>
-            </a:prstGeom>
-            <a:noFill/>
-          </p:spPr>
-          <p:txBody>
-            <a:bodyPr wrap="square" rtlCol="0">
-              <a:spAutoFit/>
-            </a:bodyPr>
-            <a:lstStyle/>
-            <a:p>
-              <a:r>
-                <a:rPr lang="en-US" altLang="ko-KR" dirty="0" err="1" smtClean="0"/>
-                <a:t>sbin</a:t>
-              </a:r>
-              <a:endParaRPr lang="ko-KR" altLang="en-US" dirty="0"/>
-            </a:p>
-          </p:txBody>
-        </p:sp>
-        <p:sp>
-          <p:nvSpPr>
-            <p:cNvPr id="16" name="TextBox 15"/>
-            <p:cNvSpPr txBox="1"/>
-            <p:nvPr/>
-          </p:nvSpPr>
-          <p:spPr>
-            <a:xfrm>
-              <a:off x="7768263" y="2667290"/>
-              <a:ext cx="497252" cy="369332"/>
-            </a:xfrm>
-            <a:prstGeom prst="rect">
-              <a:avLst/>
-            </a:prstGeom>
-            <a:noFill/>
-          </p:spPr>
-          <p:txBody>
-            <a:bodyPr wrap="square" rtlCol="0">
-              <a:spAutoFit/>
-            </a:bodyPr>
-            <a:lstStyle/>
-            <a:p>
-              <a:r>
-                <a:rPr lang="en-US" altLang="ko-KR" dirty="0" smtClean="0"/>
-                <a:t>sys</a:t>
-              </a:r>
-              <a:endParaRPr lang="ko-KR" altLang="en-US" dirty="0"/>
-            </a:p>
-          </p:txBody>
-        </p:sp>
-        <p:sp>
-          <p:nvSpPr>
-            <p:cNvPr id="17" name="TextBox 16"/>
-            <p:cNvSpPr txBox="1"/>
-            <p:nvPr/>
-          </p:nvSpPr>
-          <p:spPr>
-            <a:xfrm>
-              <a:off x="8300066" y="2667290"/>
-              <a:ext cx="498855" cy="369332"/>
-            </a:xfrm>
-            <a:prstGeom prst="rect">
-              <a:avLst/>
-            </a:prstGeom>
-            <a:noFill/>
-          </p:spPr>
-          <p:txBody>
-            <a:bodyPr wrap="square" rtlCol="0">
-              <a:spAutoFit/>
-            </a:bodyPr>
-            <a:lstStyle/>
-            <a:p>
-              <a:r>
-                <a:rPr lang="en-US" altLang="ko-KR" dirty="0" err="1" smtClean="0"/>
-                <a:t>usr</a:t>
-              </a:r>
-              <a:endParaRPr lang="ko-KR" altLang="en-US" dirty="0"/>
-            </a:p>
-          </p:txBody>
-        </p:sp>
-        <p:sp>
-          <p:nvSpPr>
-            <p:cNvPr id="18" name="TextBox 17"/>
-            <p:cNvSpPr txBox="1"/>
-            <p:nvPr/>
-          </p:nvSpPr>
-          <p:spPr>
-            <a:xfrm>
-              <a:off x="8833476" y="2667290"/>
-              <a:ext cx="494366" cy="369332"/>
-            </a:xfrm>
-            <a:prstGeom prst="rect">
-              <a:avLst/>
-            </a:prstGeom>
-            <a:noFill/>
-          </p:spPr>
-          <p:txBody>
-            <a:bodyPr wrap="square" rtlCol="0">
-              <a:spAutoFit/>
-            </a:bodyPr>
-            <a:lstStyle/>
-            <a:p>
-              <a:r>
-                <a:rPr lang="en-US" altLang="ko-KR" dirty="0" err="1" smtClean="0"/>
-                <a:t>var</a:t>
-              </a:r>
-              <a:endParaRPr lang="ko-KR" altLang="en-US" dirty="0"/>
-            </a:p>
-          </p:txBody>
-        </p:sp>
-        <p:cxnSp>
-          <p:nvCxnSpPr>
-            <p:cNvPr id="19" name="직선 연결선 18"/>
-            <p:cNvCxnSpPr>
-              <a:stCxn id="7" idx="0"/>
-              <a:endCxn id="6" idx="2"/>
-            </p:cNvCxnSpPr>
-            <p:nvPr/>
-          </p:nvCxnSpPr>
-          <p:spPr>
-            <a:xfrm flipV="1">
-              <a:off x="2040498" y="1793871"/>
-              <a:ext cx="3632774" cy="892076"/>
-            </a:xfrm>
-            <a:prstGeom prst="line">
-              <a:avLst/>
-            </a:prstGeom>
-            <a:ln>
-              <a:solidFill>
-                <a:schemeClr val="tx1">
-                  <a:lumMod val="65000"/>
-                  <a:lumOff val="35000"/>
-                </a:schemeClr>
-              </a:solidFill>
-            </a:ln>
-          </p:spPr>
-          <p:style>
-            <a:lnRef idx="1">
-              <a:schemeClr val="accent1"/>
-            </a:lnRef>
-            <a:fillRef idx="0">
-              <a:schemeClr val="accent1"/>
-            </a:fillRef>
-            <a:effectRef idx="0">
-              <a:schemeClr val="accent1"/>
-            </a:effectRef>
-            <a:fontRef idx="minor">
-              <a:schemeClr val="tx1"/>
-            </a:fontRef>
-          </p:style>
-        </p:cxnSp>
-        <p:cxnSp>
-          <p:nvCxnSpPr>
-            <p:cNvPr id="20" name="직선 연결선 19"/>
-            <p:cNvCxnSpPr>
-              <a:stCxn id="8" idx="0"/>
-              <a:endCxn id="6" idx="2"/>
-            </p:cNvCxnSpPr>
-            <p:nvPr/>
-          </p:nvCxnSpPr>
-          <p:spPr>
-            <a:xfrm flipV="1">
-              <a:off x="2670084" y="1793871"/>
-              <a:ext cx="3003188" cy="887412"/>
-            </a:xfrm>
-            <a:prstGeom prst="line">
-              <a:avLst/>
-            </a:prstGeom>
-            <a:ln>
-              <a:solidFill>
-                <a:schemeClr val="tx1">
-                  <a:lumMod val="65000"/>
-                  <a:lumOff val="35000"/>
-                </a:schemeClr>
-              </a:solidFill>
-            </a:ln>
-          </p:spPr>
-          <p:style>
-            <a:lnRef idx="1">
-              <a:schemeClr val="accent1"/>
-            </a:lnRef>
-            <a:fillRef idx="0">
-              <a:schemeClr val="accent1"/>
-            </a:fillRef>
-            <a:effectRef idx="0">
-              <a:schemeClr val="accent1"/>
-            </a:effectRef>
-            <a:fontRef idx="minor">
-              <a:schemeClr val="tx1"/>
-            </a:fontRef>
-          </p:style>
-        </p:cxnSp>
-        <p:cxnSp>
-          <p:nvCxnSpPr>
-            <p:cNvPr id="21" name="직선 연결선 20"/>
-            <p:cNvCxnSpPr>
-              <a:stCxn id="9" idx="0"/>
-              <a:endCxn id="6" idx="2"/>
-            </p:cNvCxnSpPr>
-            <p:nvPr/>
-          </p:nvCxnSpPr>
-          <p:spPr>
-            <a:xfrm flipV="1">
-              <a:off x="3323715" y="1793871"/>
-              <a:ext cx="2349557" cy="873419"/>
-            </a:xfrm>
-            <a:prstGeom prst="line">
-              <a:avLst/>
-            </a:prstGeom>
-            <a:ln>
-              <a:solidFill>
-                <a:schemeClr val="tx1">
-                  <a:lumMod val="65000"/>
-                  <a:lumOff val="35000"/>
-                </a:schemeClr>
-              </a:solidFill>
-            </a:ln>
-          </p:spPr>
-          <p:style>
-            <a:lnRef idx="1">
-              <a:schemeClr val="accent1"/>
-            </a:lnRef>
-            <a:fillRef idx="0">
-              <a:schemeClr val="accent1"/>
-            </a:fillRef>
-            <a:effectRef idx="0">
-              <a:schemeClr val="accent1"/>
-            </a:effectRef>
-            <a:fontRef idx="minor">
-              <a:schemeClr val="tx1"/>
-            </a:fontRef>
-          </p:style>
-        </p:cxnSp>
-        <p:cxnSp>
-          <p:nvCxnSpPr>
-            <p:cNvPr id="22" name="직선 연결선 21"/>
-            <p:cNvCxnSpPr>
-              <a:stCxn id="10" idx="0"/>
-              <a:endCxn id="6" idx="2"/>
-            </p:cNvCxnSpPr>
-            <p:nvPr/>
-          </p:nvCxnSpPr>
-          <p:spPr>
-            <a:xfrm flipV="1">
-              <a:off x="3885141" y="1793871"/>
-              <a:ext cx="1788131" cy="858833"/>
-            </a:xfrm>
-            <a:prstGeom prst="line">
-              <a:avLst/>
-            </a:prstGeom>
-            <a:ln>
-              <a:solidFill>
-                <a:schemeClr val="tx1">
-                  <a:lumMod val="65000"/>
-                  <a:lumOff val="35000"/>
-                </a:schemeClr>
-              </a:solidFill>
-            </a:ln>
-          </p:spPr>
-          <p:style>
-            <a:lnRef idx="1">
-              <a:schemeClr val="accent1"/>
-            </a:lnRef>
-            <a:fillRef idx="0">
-              <a:schemeClr val="accent1"/>
-            </a:fillRef>
-            <a:effectRef idx="0">
-              <a:schemeClr val="accent1"/>
-            </a:effectRef>
-            <a:fontRef idx="minor">
-              <a:schemeClr val="tx1"/>
-            </a:fontRef>
-          </p:style>
-        </p:cxnSp>
-        <p:cxnSp>
-          <p:nvCxnSpPr>
-            <p:cNvPr id="23" name="직선 연결선 22"/>
-            <p:cNvCxnSpPr>
-              <a:stCxn id="11" idx="0"/>
-              <a:endCxn id="6" idx="2"/>
-            </p:cNvCxnSpPr>
-            <p:nvPr/>
-          </p:nvCxnSpPr>
-          <p:spPr>
-            <a:xfrm flipV="1">
-              <a:off x="4557976" y="1793871"/>
-              <a:ext cx="1115296" cy="873419"/>
-            </a:xfrm>
-            <a:prstGeom prst="line">
-              <a:avLst/>
-            </a:prstGeom>
-            <a:ln>
-              <a:solidFill>
-                <a:schemeClr val="tx1">
-                  <a:lumMod val="65000"/>
-                  <a:lumOff val="35000"/>
-                </a:schemeClr>
-              </a:solidFill>
-            </a:ln>
-          </p:spPr>
-          <p:style>
-            <a:lnRef idx="1">
-              <a:schemeClr val="accent1"/>
-            </a:lnRef>
-            <a:fillRef idx="0">
-              <a:schemeClr val="accent1"/>
-            </a:fillRef>
-            <a:effectRef idx="0">
-              <a:schemeClr val="accent1"/>
-            </a:effectRef>
-            <a:fontRef idx="minor">
-              <a:schemeClr val="tx1"/>
-            </a:fontRef>
-          </p:style>
-        </p:cxnSp>
-        <p:cxnSp>
-          <p:nvCxnSpPr>
-            <p:cNvPr id="24" name="직선 연결선 23"/>
-            <p:cNvCxnSpPr>
-              <a:stCxn id="12" idx="0"/>
-              <a:endCxn id="6" idx="2"/>
-            </p:cNvCxnSpPr>
-            <p:nvPr/>
-          </p:nvCxnSpPr>
-          <p:spPr>
-            <a:xfrm flipV="1">
-              <a:off x="5397556" y="1793871"/>
-              <a:ext cx="275716" cy="873419"/>
-            </a:xfrm>
-            <a:prstGeom prst="line">
-              <a:avLst/>
-            </a:prstGeom>
-            <a:ln>
-              <a:solidFill>
-                <a:schemeClr val="tx1">
-                  <a:lumMod val="65000"/>
-                  <a:lumOff val="35000"/>
-                </a:schemeClr>
-              </a:solidFill>
-            </a:ln>
-          </p:spPr>
-          <p:style>
-            <a:lnRef idx="1">
-              <a:schemeClr val="accent1"/>
-            </a:lnRef>
-            <a:fillRef idx="0">
-              <a:schemeClr val="accent1"/>
-            </a:fillRef>
-            <a:effectRef idx="0">
-              <a:schemeClr val="accent1"/>
-            </a:effectRef>
-            <a:fontRef idx="minor">
-              <a:schemeClr val="tx1"/>
-            </a:fontRef>
-          </p:style>
-        </p:cxnSp>
-        <p:cxnSp>
-          <p:nvCxnSpPr>
-            <p:cNvPr id="25" name="직선 연결선 24"/>
-            <p:cNvCxnSpPr>
-              <a:stCxn id="13" idx="0"/>
-              <a:endCxn id="6" idx="2"/>
-            </p:cNvCxnSpPr>
-            <p:nvPr/>
-          </p:nvCxnSpPr>
-          <p:spPr>
-            <a:xfrm flipH="1" flipV="1">
-              <a:off x="5673272" y="1793871"/>
-              <a:ext cx="475698" cy="873419"/>
-            </a:xfrm>
-            <a:prstGeom prst="line">
-              <a:avLst/>
-            </a:prstGeom>
-            <a:ln>
-              <a:solidFill>
-                <a:schemeClr val="tx1">
-                  <a:lumMod val="65000"/>
-                  <a:lumOff val="35000"/>
-                </a:schemeClr>
-              </a:solidFill>
-            </a:ln>
-          </p:spPr>
-          <p:style>
-            <a:lnRef idx="1">
-              <a:schemeClr val="accent1"/>
-            </a:lnRef>
-            <a:fillRef idx="0">
-              <a:schemeClr val="accent1"/>
-            </a:fillRef>
-            <a:effectRef idx="0">
-              <a:schemeClr val="accent1"/>
-            </a:effectRef>
-            <a:fontRef idx="minor">
-              <a:schemeClr val="tx1"/>
-            </a:fontRef>
-          </p:style>
-        </p:cxnSp>
-        <p:cxnSp>
-          <p:nvCxnSpPr>
-            <p:cNvPr id="26" name="직선 연결선 25"/>
-            <p:cNvCxnSpPr>
-              <a:stCxn id="14" idx="0"/>
-              <a:endCxn id="6" idx="2"/>
-            </p:cNvCxnSpPr>
-            <p:nvPr/>
-          </p:nvCxnSpPr>
-          <p:spPr>
-            <a:xfrm flipH="1" flipV="1">
-              <a:off x="5673272" y="1793871"/>
-              <a:ext cx="1114101" cy="873419"/>
-            </a:xfrm>
-            <a:prstGeom prst="line">
-              <a:avLst/>
-            </a:prstGeom>
-            <a:ln>
-              <a:solidFill>
-                <a:schemeClr val="tx1">
-                  <a:lumMod val="65000"/>
-                  <a:lumOff val="35000"/>
-                </a:schemeClr>
-              </a:solidFill>
-            </a:ln>
-          </p:spPr>
-          <p:style>
-            <a:lnRef idx="1">
-              <a:schemeClr val="accent1"/>
-            </a:lnRef>
-            <a:fillRef idx="0">
-              <a:schemeClr val="accent1"/>
-            </a:fillRef>
-            <a:effectRef idx="0">
-              <a:schemeClr val="accent1"/>
-            </a:effectRef>
-            <a:fontRef idx="minor">
-              <a:schemeClr val="tx1"/>
-            </a:fontRef>
-          </p:style>
-        </p:cxnSp>
-        <p:cxnSp>
-          <p:nvCxnSpPr>
-            <p:cNvPr id="27" name="직선 연결선 26"/>
-            <p:cNvCxnSpPr>
-              <a:stCxn id="15" idx="0"/>
-              <a:endCxn id="6" idx="2"/>
-            </p:cNvCxnSpPr>
-            <p:nvPr/>
-          </p:nvCxnSpPr>
-          <p:spPr>
-            <a:xfrm flipH="1" flipV="1">
-              <a:off x="5673272" y="1793871"/>
-              <a:ext cx="1754908" cy="873419"/>
-            </a:xfrm>
-            <a:prstGeom prst="line">
-              <a:avLst/>
-            </a:prstGeom>
-            <a:ln>
-              <a:solidFill>
-                <a:schemeClr val="tx1">
-                  <a:lumMod val="65000"/>
-                  <a:lumOff val="35000"/>
-                </a:schemeClr>
-              </a:solidFill>
-            </a:ln>
-          </p:spPr>
-          <p:style>
-            <a:lnRef idx="1">
-              <a:schemeClr val="accent1"/>
-            </a:lnRef>
-            <a:fillRef idx="0">
-              <a:schemeClr val="accent1"/>
-            </a:fillRef>
-            <a:effectRef idx="0">
-              <a:schemeClr val="accent1"/>
-            </a:effectRef>
-            <a:fontRef idx="minor">
-              <a:schemeClr val="tx1"/>
-            </a:fontRef>
-          </p:style>
-        </p:cxnSp>
-        <p:cxnSp>
-          <p:nvCxnSpPr>
-            <p:cNvPr id="28" name="직선 연결선 27"/>
-            <p:cNvCxnSpPr>
-              <a:stCxn id="16" idx="0"/>
-              <a:endCxn id="6" idx="2"/>
-            </p:cNvCxnSpPr>
-            <p:nvPr/>
-          </p:nvCxnSpPr>
-          <p:spPr>
-            <a:xfrm flipH="1" flipV="1">
-              <a:off x="5673272" y="1793871"/>
-              <a:ext cx="2343617" cy="873419"/>
-            </a:xfrm>
-            <a:prstGeom prst="line">
-              <a:avLst/>
-            </a:prstGeom>
-            <a:ln>
-              <a:solidFill>
-                <a:schemeClr val="tx1">
-                  <a:lumMod val="65000"/>
-                  <a:lumOff val="35000"/>
-                </a:schemeClr>
-              </a:solidFill>
-            </a:ln>
-          </p:spPr>
-          <p:style>
-            <a:lnRef idx="1">
-              <a:schemeClr val="accent1"/>
-            </a:lnRef>
-            <a:fillRef idx="0">
-              <a:schemeClr val="accent1"/>
-            </a:fillRef>
-            <a:effectRef idx="0">
-              <a:schemeClr val="accent1"/>
-            </a:effectRef>
-            <a:fontRef idx="minor">
-              <a:schemeClr val="tx1"/>
-            </a:fontRef>
-          </p:style>
-        </p:cxnSp>
-        <p:cxnSp>
-          <p:nvCxnSpPr>
-            <p:cNvPr id="29" name="직선 연결선 28"/>
-            <p:cNvCxnSpPr>
-              <a:stCxn id="17" idx="0"/>
-              <a:endCxn id="6" idx="2"/>
-            </p:cNvCxnSpPr>
-            <p:nvPr/>
-          </p:nvCxnSpPr>
-          <p:spPr>
-            <a:xfrm flipH="1" flipV="1">
-              <a:off x="5673272" y="1793871"/>
-              <a:ext cx="2876222" cy="873419"/>
-            </a:xfrm>
-            <a:prstGeom prst="line">
-              <a:avLst/>
-            </a:prstGeom>
-            <a:ln>
-              <a:solidFill>
-                <a:schemeClr val="tx1">
-                  <a:lumMod val="65000"/>
-                  <a:lumOff val="35000"/>
-                </a:schemeClr>
-              </a:solidFill>
-            </a:ln>
-          </p:spPr>
-          <p:style>
-            <a:lnRef idx="1">
-              <a:schemeClr val="accent1"/>
-            </a:lnRef>
-            <a:fillRef idx="0">
-              <a:schemeClr val="accent1"/>
-            </a:fillRef>
-            <a:effectRef idx="0">
-              <a:schemeClr val="accent1"/>
-            </a:effectRef>
-            <a:fontRef idx="minor">
-              <a:schemeClr val="tx1"/>
-            </a:fontRef>
-          </p:style>
-        </p:cxnSp>
-        <p:cxnSp>
-          <p:nvCxnSpPr>
-            <p:cNvPr id="30" name="직선 연결선 29"/>
-            <p:cNvCxnSpPr>
-              <a:stCxn id="18" idx="0"/>
-              <a:endCxn id="6" idx="2"/>
-            </p:cNvCxnSpPr>
-            <p:nvPr/>
-          </p:nvCxnSpPr>
-          <p:spPr>
-            <a:xfrm flipH="1" flipV="1">
-              <a:off x="5673272" y="1793870"/>
-              <a:ext cx="3407387" cy="873419"/>
-            </a:xfrm>
-            <a:prstGeom prst="line">
-              <a:avLst/>
-            </a:prstGeom>
-            <a:ln>
-              <a:solidFill>
-                <a:schemeClr val="tx1">
-                  <a:lumMod val="65000"/>
-                  <a:lumOff val="35000"/>
-                </a:schemeClr>
-              </a:solidFill>
-            </a:ln>
-          </p:spPr>
-          <p:style>
-            <a:lnRef idx="1">
-              <a:schemeClr val="accent1"/>
-            </a:lnRef>
-            <a:fillRef idx="0">
-              <a:schemeClr val="accent1"/>
-            </a:fillRef>
-            <a:effectRef idx="0">
-              <a:schemeClr val="accent1"/>
-            </a:effectRef>
-            <a:fontRef idx="minor">
-              <a:schemeClr val="tx1"/>
-            </a:fontRef>
-          </p:style>
-        </p:cxnSp>
-        <p:sp>
-          <p:nvSpPr>
-            <p:cNvPr id="31" name="TextBox 30"/>
-            <p:cNvSpPr txBox="1"/>
-            <p:nvPr/>
-          </p:nvSpPr>
-          <p:spPr>
-            <a:xfrm>
-              <a:off x="3619749" y="3326871"/>
-              <a:ext cx="878744" cy="369332"/>
-            </a:xfrm>
-            <a:prstGeom prst="rect">
-              <a:avLst/>
-            </a:prstGeom>
-            <a:noFill/>
-            <a:ln>
-              <a:noFill/>
-            </a:ln>
-          </p:spPr>
-          <p:txBody>
-            <a:bodyPr wrap="square" rtlCol="0">
-              <a:spAutoFit/>
-            </a:bodyPr>
-            <a:lstStyle/>
-            <a:p>
-              <a:r>
-                <a:rPr lang="en-US" altLang="ko-KR" dirty="0" smtClean="0"/>
-                <a:t>user01</a:t>
-              </a:r>
-              <a:endParaRPr lang="ko-KR" altLang="en-US" dirty="0"/>
-            </a:p>
-          </p:txBody>
-        </p:sp>
-        <p:sp>
-          <p:nvSpPr>
-            <p:cNvPr id="32" name="TextBox 31"/>
-            <p:cNvSpPr txBox="1"/>
-            <p:nvPr/>
-          </p:nvSpPr>
-          <p:spPr>
-            <a:xfrm>
-              <a:off x="4557975" y="3326871"/>
-              <a:ext cx="878744" cy="369332"/>
-            </a:xfrm>
-            <a:prstGeom prst="rect">
-              <a:avLst/>
-            </a:prstGeom>
-            <a:noFill/>
-          </p:spPr>
-          <p:txBody>
-            <a:bodyPr wrap="square" rtlCol="0">
-              <a:spAutoFit/>
-            </a:bodyPr>
-            <a:lstStyle/>
-            <a:p>
-              <a:r>
-                <a:rPr lang="en-US" altLang="ko-KR" dirty="0" smtClean="0"/>
-                <a:t>user02</a:t>
-              </a:r>
-              <a:endParaRPr lang="ko-KR" altLang="en-US" dirty="0"/>
-            </a:p>
-          </p:txBody>
-        </p:sp>
-        <p:cxnSp>
-          <p:nvCxnSpPr>
-            <p:cNvPr id="33" name="직선 연결선 32"/>
-            <p:cNvCxnSpPr>
-              <a:stCxn id="31" idx="0"/>
-              <a:endCxn id="11" idx="2"/>
-            </p:cNvCxnSpPr>
-            <p:nvPr/>
-          </p:nvCxnSpPr>
-          <p:spPr>
-            <a:xfrm flipV="1">
-              <a:off x="4059121" y="3036622"/>
-              <a:ext cx="498855" cy="290249"/>
-            </a:xfrm>
-            <a:prstGeom prst="line">
-              <a:avLst/>
-            </a:prstGeom>
-            <a:ln>
-              <a:solidFill>
-                <a:schemeClr val="tx1">
-                  <a:lumMod val="65000"/>
-                  <a:lumOff val="35000"/>
-                </a:schemeClr>
-              </a:solidFill>
-            </a:ln>
-          </p:spPr>
-          <p:style>
-            <a:lnRef idx="1">
-              <a:schemeClr val="accent1"/>
-            </a:lnRef>
-            <a:fillRef idx="0">
-              <a:schemeClr val="accent1"/>
-            </a:fillRef>
-            <a:effectRef idx="0">
-              <a:schemeClr val="accent1"/>
-            </a:effectRef>
-            <a:fontRef idx="minor">
-              <a:schemeClr val="tx1"/>
-            </a:fontRef>
-          </p:style>
-        </p:cxnSp>
-        <p:cxnSp>
-          <p:nvCxnSpPr>
-            <p:cNvPr id="34" name="직선 연결선 33"/>
-            <p:cNvCxnSpPr>
-              <a:stCxn id="32" idx="0"/>
-              <a:endCxn id="11" idx="2"/>
-            </p:cNvCxnSpPr>
-            <p:nvPr/>
-          </p:nvCxnSpPr>
-          <p:spPr>
-            <a:xfrm flipH="1" flipV="1">
-              <a:off x="4557976" y="3036622"/>
-              <a:ext cx="439371" cy="290249"/>
-            </a:xfrm>
-            <a:prstGeom prst="line">
-              <a:avLst/>
-            </a:prstGeom>
-            <a:ln>
-              <a:solidFill>
-                <a:schemeClr val="tx1">
-                  <a:lumMod val="65000"/>
-                  <a:lumOff val="35000"/>
-                </a:schemeClr>
-              </a:solidFill>
-            </a:ln>
-          </p:spPr>
-          <p:style>
-            <a:lnRef idx="1">
-              <a:schemeClr val="accent1"/>
-            </a:lnRef>
-            <a:fillRef idx="0">
-              <a:schemeClr val="accent1"/>
-            </a:fillRef>
-            <a:effectRef idx="0">
-              <a:schemeClr val="accent1"/>
-            </a:effectRef>
-            <a:fontRef idx="minor">
-              <a:schemeClr val="tx1"/>
-            </a:fontRef>
-          </p:style>
-        </p:cxnSp>
-        <p:sp>
-          <p:nvSpPr>
-            <p:cNvPr id="35" name="TextBox 34"/>
-            <p:cNvSpPr txBox="1"/>
-            <p:nvPr/>
-          </p:nvSpPr>
-          <p:spPr>
-            <a:xfrm>
-              <a:off x="3043830" y="4001038"/>
-              <a:ext cx="878744" cy="369332"/>
-            </a:xfrm>
-            <a:prstGeom prst="rect">
-              <a:avLst/>
-            </a:prstGeom>
-            <a:noFill/>
-          </p:spPr>
-          <p:txBody>
-            <a:bodyPr wrap="square" rtlCol="0">
-              <a:spAutoFit/>
-            </a:bodyPr>
-            <a:lstStyle/>
-            <a:p>
-              <a:r>
-                <a:rPr lang="en-US" altLang="ko-KR" dirty="0" smtClean="0"/>
-                <a:t>docs</a:t>
-              </a:r>
-              <a:endParaRPr lang="ko-KR" altLang="en-US" dirty="0"/>
-            </a:p>
-          </p:txBody>
-        </p:sp>
-        <p:cxnSp>
-          <p:nvCxnSpPr>
-            <p:cNvPr id="36" name="직선 연결선 35"/>
-            <p:cNvCxnSpPr>
-              <a:stCxn id="35" idx="0"/>
-              <a:endCxn id="31" idx="2"/>
-            </p:cNvCxnSpPr>
-            <p:nvPr/>
-          </p:nvCxnSpPr>
-          <p:spPr>
-            <a:xfrm flipV="1">
-              <a:off x="3483202" y="3696203"/>
-              <a:ext cx="575919" cy="304835"/>
-            </a:xfrm>
-            <a:prstGeom prst="line">
-              <a:avLst/>
-            </a:prstGeom>
-            <a:ln>
-              <a:solidFill>
-                <a:schemeClr val="tx1">
-                  <a:lumMod val="65000"/>
-                  <a:lumOff val="35000"/>
-                </a:schemeClr>
-              </a:solidFill>
-            </a:ln>
-          </p:spPr>
-          <p:style>
-            <a:lnRef idx="1">
-              <a:schemeClr val="accent1"/>
-            </a:lnRef>
-            <a:fillRef idx="0">
-              <a:schemeClr val="accent1"/>
-            </a:fillRef>
-            <a:effectRef idx="0">
-              <a:schemeClr val="accent1"/>
-            </a:effectRef>
-            <a:fontRef idx="minor">
-              <a:schemeClr val="tx1"/>
-            </a:fontRef>
-          </p:style>
-        </p:cxnSp>
-        <p:sp>
-          <p:nvSpPr>
-            <p:cNvPr id="37" name="TextBox 36"/>
-            <p:cNvSpPr txBox="1"/>
-            <p:nvPr/>
-          </p:nvSpPr>
-          <p:spPr>
-            <a:xfrm>
-              <a:off x="3856885" y="4046878"/>
-              <a:ext cx="522809" cy="369332"/>
-            </a:xfrm>
-            <a:prstGeom prst="rect">
-              <a:avLst/>
-            </a:prstGeom>
-            <a:noFill/>
-          </p:spPr>
-          <p:txBody>
-            <a:bodyPr wrap="square" rtlCol="0">
-              <a:spAutoFit/>
-            </a:bodyPr>
-            <a:lstStyle/>
-            <a:p>
-              <a:r>
-                <a:rPr lang="en-US" altLang="ko-KR" dirty="0" smtClean="0"/>
-                <a:t>bin</a:t>
-              </a:r>
-              <a:endParaRPr lang="ko-KR" altLang="en-US" dirty="0"/>
-            </a:p>
-          </p:txBody>
-        </p:sp>
-        <p:sp>
-          <p:nvSpPr>
-            <p:cNvPr id="38" name="TextBox 37"/>
-            <p:cNvSpPr txBox="1"/>
-            <p:nvPr/>
-          </p:nvSpPr>
-          <p:spPr>
-            <a:xfrm>
-              <a:off x="4523799" y="4051145"/>
-              <a:ext cx="1287492" cy="369332"/>
-            </a:xfrm>
-            <a:prstGeom prst="rect">
-              <a:avLst/>
-            </a:prstGeom>
-            <a:noFill/>
-          </p:spPr>
-          <p:txBody>
-            <a:bodyPr wrap="square" rtlCol="0">
-              <a:spAutoFit/>
-            </a:bodyPr>
-            <a:lstStyle/>
-            <a:p>
-              <a:r>
-                <a:rPr lang="en-US" altLang="ko-KR" dirty="0" smtClean="0"/>
-                <a:t>download</a:t>
-              </a:r>
-              <a:endParaRPr lang="ko-KR" altLang="en-US" dirty="0"/>
-            </a:p>
-          </p:txBody>
-        </p:sp>
-        <p:cxnSp>
-          <p:nvCxnSpPr>
-            <p:cNvPr id="39" name="직선 연결선 38"/>
-            <p:cNvCxnSpPr>
-              <a:stCxn id="37" idx="0"/>
-              <a:endCxn id="31" idx="2"/>
-            </p:cNvCxnSpPr>
-            <p:nvPr/>
-          </p:nvCxnSpPr>
-          <p:spPr>
-            <a:xfrm flipH="1" flipV="1">
-              <a:off x="4059121" y="3696203"/>
-              <a:ext cx="59169" cy="350675"/>
-            </a:xfrm>
-            <a:prstGeom prst="line">
-              <a:avLst/>
-            </a:prstGeom>
-            <a:ln>
-              <a:solidFill>
-                <a:schemeClr val="tx1">
-                  <a:lumMod val="65000"/>
-                  <a:lumOff val="35000"/>
-                </a:schemeClr>
-              </a:solidFill>
-            </a:ln>
-          </p:spPr>
-          <p:style>
-            <a:lnRef idx="1">
-              <a:schemeClr val="accent1"/>
-            </a:lnRef>
-            <a:fillRef idx="0">
-              <a:schemeClr val="accent1"/>
-            </a:fillRef>
-            <a:effectRef idx="0">
-              <a:schemeClr val="accent1"/>
-            </a:effectRef>
-            <a:fontRef idx="minor">
-              <a:schemeClr val="tx1"/>
-            </a:fontRef>
-          </p:style>
-        </p:cxnSp>
-        <p:cxnSp>
-          <p:nvCxnSpPr>
-            <p:cNvPr id="40" name="직선 연결선 39"/>
-            <p:cNvCxnSpPr>
-              <a:stCxn id="38" idx="0"/>
-              <a:endCxn id="31" idx="2"/>
-            </p:cNvCxnSpPr>
-            <p:nvPr/>
-          </p:nvCxnSpPr>
-          <p:spPr>
-            <a:xfrm flipH="1" flipV="1">
-              <a:off x="4059121" y="3696203"/>
-              <a:ext cx="1108424" cy="354942"/>
-            </a:xfrm>
-            <a:prstGeom prst="line">
-              <a:avLst/>
-            </a:prstGeom>
-            <a:ln>
-              <a:solidFill>
-                <a:schemeClr val="tx1">
-                  <a:lumMod val="65000"/>
-                  <a:lumOff val="35000"/>
-                </a:schemeClr>
-              </a:solidFill>
-            </a:ln>
-          </p:spPr>
-          <p:style>
-            <a:lnRef idx="1">
-              <a:schemeClr val="accent1"/>
-            </a:lnRef>
-            <a:fillRef idx="0">
-              <a:schemeClr val="accent1"/>
-            </a:fillRef>
-            <a:effectRef idx="0">
-              <a:schemeClr val="accent1"/>
-            </a:effectRef>
-            <a:fontRef idx="minor">
-              <a:schemeClr val="tx1"/>
-            </a:fontRef>
-          </p:style>
-        </p:cxnSp>
-      </p:grpSp>
+          </a:ln>
+        </p:spPr>
+        <p:txBody>
+          <a:bodyPr wrap="square" rtlCol="0">
+            <a:spAutoFit/>
+          </a:bodyPr>
+          <a:lstStyle/>
+          <a:p>
+            <a:r>
+              <a:rPr lang="en-US" altLang="ko-KR" dirty="0" smtClean="0"/>
+              <a:t>user01</a:t>
+            </a:r>
+            <a:endParaRPr lang="ko-KR" altLang="en-US" dirty="0"/>
+          </a:p>
+        </p:txBody>
+      </p:sp>
+      <p:sp>
+        <p:nvSpPr>
+          <p:cNvPr id="32" name="TextBox 31"/>
+          <p:cNvSpPr txBox="1"/>
+          <p:nvPr/>
+        </p:nvSpPr>
+        <p:spPr>
+          <a:xfrm>
+            <a:off x="3300697" y="4131492"/>
+            <a:ext cx="894330" cy="367839"/>
+          </a:xfrm>
+          <a:prstGeom prst="rect">
+            <a:avLst/>
+          </a:prstGeom>
+          <a:noFill/>
+        </p:spPr>
+        <p:txBody>
+          <a:bodyPr wrap="square" rtlCol="0">
+            <a:spAutoFit/>
+          </a:bodyPr>
+          <a:lstStyle/>
+          <a:p>
+            <a:r>
+              <a:rPr lang="en-US" altLang="ko-KR" dirty="0" smtClean="0"/>
+              <a:t>user02</a:t>
+            </a:r>
+            <a:endParaRPr lang="ko-KR" altLang="en-US" dirty="0"/>
+          </a:p>
+        </p:txBody>
+      </p:sp>
+      <p:cxnSp>
+        <p:nvCxnSpPr>
+          <p:cNvPr id="33" name="직선 연결선 32"/>
+          <p:cNvCxnSpPr>
+            <a:stCxn id="31" idx="0"/>
+          </p:cNvCxnSpPr>
+          <p:nvPr/>
+        </p:nvCxnSpPr>
+        <p:spPr>
+          <a:xfrm flipV="1">
+            <a:off x="2792995" y="3842416"/>
+            <a:ext cx="507703" cy="289076"/>
+          </a:xfrm>
+          <a:prstGeom prst="line">
+            <a:avLst/>
+          </a:prstGeom>
+          <a:ln>
+            <a:solidFill>
+              <a:schemeClr val="tx1">
+                <a:lumMod val="65000"/>
+                <a:lumOff val="35000"/>
+              </a:schemeClr>
+            </a:solidFill>
+          </a:ln>
+        </p:spPr>
+        <p:style>
+          <a:lnRef idx="1">
+            <a:schemeClr val="accent1"/>
+          </a:lnRef>
+          <a:fillRef idx="0">
+            <a:schemeClr val="accent1"/>
+          </a:fillRef>
+          <a:effectRef idx="0">
+            <a:schemeClr val="accent1"/>
+          </a:effectRef>
+          <a:fontRef idx="minor">
+            <a:schemeClr val="tx1"/>
+          </a:fontRef>
+        </p:style>
+      </p:cxnSp>
+      <p:cxnSp>
+        <p:nvCxnSpPr>
+          <p:cNvPr id="34" name="직선 연결선 33"/>
+          <p:cNvCxnSpPr>
+            <a:stCxn id="32" idx="0"/>
+          </p:cNvCxnSpPr>
+          <p:nvPr/>
+        </p:nvCxnSpPr>
+        <p:spPr>
+          <a:xfrm flipH="1" flipV="1">
+            <a:off x="3300698" y="3842416"/>
+            <a:ext cx="447164" cy="289076"/>
+          </a:xfrm>
+          <a:prstGeom prst="line">
+            <a:avLst/>
+          </a:prstGeom>
+          <a:ln>
+            <a:solidFill>
+              <a:schemeClr val="tx1">
+                <a:lumMod val="65000"/>
+                <a:lumOff val="35000"/>
+              </a:schemeClr>
+            </a:solidFill>
+          </a:ln>
+        </p:spPr>
+        <p:style>
+          <a:lnRef idx="1">
+            <a:schemeClr val="accent1"/>
+          </a:lnRef>
+          <a:fillRef idx="0">
+            <a:schemeClr val="accent1"/>
+          </a:fillRef>
+          <a:effectRef idx="0">
+            <a:schemeClr val="accent1"/>
+          </a:effectRef>
+          <a:fontRef idx="minor">
+            <a:schemeClr val="tx1"/>
+          </a:fontRef>
+        </p:style>
+      </p:cxnSp>
+      <p:sp>
+        <p:nvSpPr>
+          <p:cNvPr id="35" name="TextBox 34"/>
+          <p:cNvSpPr txBox="1"/>
+          <p:nvPr/>
+        </p:nvSpPr>
+        <p:spPr>
+          <a:xfrm>
+            <a:off x="1759696" y="4802935"/>
+            <a:ext cx="894330" cy="367839"/>
+          </a:xfrm>
+          <a:prstGeom prst="rect">
+            <a:avLst/>
+          </a:prstGeom>
+          <a:noFill/>
+        </p:spPr>
+        <p:txBody>
+          <a:bodyPr wrap="square" rtlCol="0">
+            <a:spAutoFit/>
+          </a:bodyPr>
+          <a:lstStyle/>
+          <a:p>
+            <a:r>
+              <a:rPr lang="en-US" altLang="ko-KR" dirty="0" smtClean="0"/>
+              <a:t>docs</a:t>
+            </a:r>
+            <a:endParaRPr lang="ko-KR" altLang="en-US" dirty="0"/>
+          </a:p>
+        </p:txBody>
+      </p:sp>
+      <p:cxnSp>
+        <p:nvCxnSpPr>
+          <p:cNvPr id="36" name="직선 연결선 35"/>
+          <p:cNvCxnSpPr>
+            <a:stCxn id="35" idx="0"/>
+            <a:endCxn id="31" idx="2"/>
+          </p:cNvCxnSpPr>
+          <p:nvPr/>
+        </p:nvCxnSpPr>
+        <p:spPr>
+          <a:xfrm flipV="1">
+            <a:off x="2206861" y="4499332"/>
+            <a:ext cx="586134" cy="303603"/>
+          </a:xfrm>
+          <a:prstGeom prst="line">
+            <a:avLst/>
+          </a:prstGeom>
+          <a:ln>
+            <a:solidFill>
+              <a:schemeClr val="tx1">
+                <a:lumMod val="65000"/>
+                <a:lumOff val="35000"/>
+              </a:schemeClr>
+            </a:solidFill>
+          </a:ln>
+        </p:spPr>
+        <p:style>
+          <a:lnRef idx="1">
+            <a:schemeClr val="accent1"/>
+          </a:lnRef>
+          <a:fillRef idx="0">
+            <a:schemeClr val="accent1"/>
+          </a:fillRef>
+          <a:effectRef idx="0">
+            <a:schemeClr val="accent1"/>
+          </a:effectRef>
+          <a:fontRef idx="minor">
+            <a:schemeClr val="tx1"/>
+          </a:fontRef>
+        </p:style>
+      </p:cxnSp>
+      <p:sp>
+        <p:nvSpPr>
+          <p:cNvPr id="37" name="TextBox 36"/>
+          <p:cNvSpPr txBox="1"/>
+          <p:nvPr/>
+        </p:nvSpPr>
+        <p:spPr>
+          <a:xfrm>
+            <a:off x="2587172" y="4848590"/>
+            <a:ext cx="532082" cy="367839"/>
+          </a:xfrm>
+          <a:prstGeom prst="rect">
+            <a:avLst/>
+          </a:prstGeom>
+          <a:noFill/>
+        </p:spPr>
+        <p:txBody>
+          <a:bodyPr wrap="square" rtlCol="0">
+            <a:spAutoFit/>
+          </a:bodyPr>
+          <a:lstStyle/>
+          <a:p>
+            <a:r>
+              <a:rPr lang="en-US" altLang="ko-KR" dirty="0" smtClean="0"/>
+              <a:t>bin</a:t>
+            </a:r>
+            <a:endParaRPr lang="ko-KR" altLang="en-US" dirty="0"/>
+          </a:p>
+        </p:txBody>
+      </p:sp>
+      <p:sp>
+        <p:nvSpPr>
+          <p:cNvPr id="38" name="TextBox 37"/>
+          <p:cNvSpPr txBox="1"/>
+          <p:nvPr/>
+        </p:nvSpPr>
+        <p:spPr>
+          <a:xfrm>
+            <a:off x="3265915" y="4852840"/>
+            <a:ext cx="1310328" cy="367839"/>
+          </a:xfrm>
+          <a:prstGeom prst="rect">
+            <a:avLst/>
+          </a:prstGeom>
+          <a:noFill/>
+        </p:spPr>
+        <p:txBody>
+          <a:bodyPr wrap="square" rtlCol="0">
+            <a:spAutoFit/>
+          </a:bodyPr>
+          <a:lstStyle/>
+          <a:p>
+            <a:r>
+              <a:rPr lang="en-US" altLang="ko-KR" dirty="0" smtClean="0"/>
+              <a:t>download</a:t>
+            </a:r>
+            <a:endParaRPr lang="ko-KR" altLang="en-US" dirty="0"/>
+          </a:p>
+        </p:txBody>
+      </p:sp>
+      <p:cxnSp>
+        <p:nvCxnSpPr>
+          <p:cNvPr id="39" name="직선 연결선 38"/>
+          <p:cNvCxnSpPr>
+            <a:stCxn id="37" idx="0"/>
+            <a:endCxn id="31" idx="2"/>
+          </p:cNvCxnSpPr>
+          <p:nvPr/>
+        </p:nvCxnSpPr>
+        <p:spPr>
+          <a:xfrm flipH="1" flipV="1">
+            <a:off x="2792995" y="4499332"/>
+            <a:ext cx="60218" cy="349258"/>
+          </a:xfrm>
+          <a:prstGeom prst="line">
+            <a:avLst/>
+          </a:prstGeom>
+          <a:ln>
+            <a:solidFill>
+              <a:schemeClr val="tx1">
+                <a:lumMod val="65000"/>
+                <a:lumOff val="35000"/>
+              </a:schemeClr>
+            </a:solidFill>
+          </a:ln>
+        </p:spPr>
+        <p:style>
+          <a:lnRef idx="1">
+            <a:schemeClr val="accent1"/>
+          </a:lnRef>
+          <a:fillRef idx="0">
+            <a:schemeClr val="accent1"/>
+          </a:fillRef>
+          <a:effectRef idx="0">
+            <a:schemeClr val="accent1"/>
+          </a:effectRef>
+          <a:fontRef idx="minor">
+            <a:schemeClr val="tx1"/>
+          </a:fontRef>
+        </p:style>
+      </p:cxnSp>
+      <p:cxnSp>
+        <p:nvCxnSpPr>
+          <p:cNvPr id="40" name="직선 연결선 39"/>
+          <p:cNvCxnSpPr>
+            <a:stCxn id="38" idx="0"/>
+            <a:endCxn id="31" idx="2"/>
+          </p:cNvCxnSpPr>
+          <p:nvPr/>
+        </p:nvCxnSpPr>
+        <p:spPr>
+          <a:xfrm flipH="1" flipV="1">
+            <a:off x="2792995" y="4499332"/>
+            <a:ext cx="1128084" cy="353508"/>
+          </a:xfrm>
+          <a:prstGeom prst="line">
+            <a:avLst/>
+          </a:prstGeom>
+          <a:ln>
+            <a:solidFill>
+              <a:schemeClr val="tx1">
+                <a:lumMod val="65000"/>
+                <a:lumOff val="35000"/>
+              </a:schemeClr>
+            </a:solidFill>
+          </a:ln>
+        </p:spPr>
+        <p:style>
+          <a:lnRef idx="1">
+            <a:schemeClr val="accent1"/>
+          </a:lnRef>
+          <a:fillRef idx="0">
+            <a:schemeClr val="accent1"/>
+          </a:fillRef>
+          <a:effectRef idx="0">
+            <a:schemeClr val="accent1"/>
+          </a:effectRef>
+          <a:fontRef idx="minor">
+            <a:schemeClr val="tx1"/>
+          </a:fontRef>
+        </p:style>
+      </p:cxnSp>
       <p:sp>
         <p:nvSpPr>
           <p:cNvPr id="41" name="TextBox 40"/>
@@ -15851,11 +15834,7 @@
             </a:r>
             <a:r>
               <a:rPr lang="en-US" altLang="ko-KR" dirty="0" smtClean="0"/>
-              <a:t>: &gt;cd /</a:t>
-            </a:r>
-            <a:r>
-              <a:rPr lang="en-US" altLang="ko-KR" dirty="0" smtClean="0"/>
-              <a:t>home/jinsook/user01/download</a:t>
+              <a:t>: &gt;cd /home/user/user01/download</a:t>
             </a:r>
             <a:endParaRPr lang="ko-KR" altLang="en-US" dirty="0"/>
           </a:p>
@@ -15937,10 +15916,133 @@
           </a:p>
         </p:txBody>
       </p:sp>
+      <p:cxnSp>
+        <p:nvCxnSpPr>
+          <p:cNvPr id="45" name="직선 화살표 연결선 44"/>
+          <p:cNvCxnSpPr/>
+          <p:nvPr/>
+        </p:nvCxnSpPr>
+        <p:spPr>
+          <a:xfrm flipH="1">
+            <a:off x="3300697" y="3348108"/>
+            <a:ext cx="1" cy="162847"/>
+          </a:xfrm>
+          <a:prstGeom prst="straightConnector1">
+            <a:avLst/>
+          </a:prstGeom>
+          <a:ln>
+            <a:tailEnd type="triangle"/>
+          </a:ln>
+        </p:spPr>
+        <p:style>
+          <a:lnRef idx="1">
+            <a:schemeClr val="accent1"/>
+          </a:lnRef>
+          <a:fillRef idx="0">
+            <a:schemeClr val="accent1"/>
+          </a:fillRef>
+          <a:effectRef idx="0">
+            <a:schemeClr val="accent1"/>
+          </a:effectRef>
+          <a:fontRef idx="minor">
+            <a:schemeClr val="tx1"/>
+          </a:fontRef>
+        </p:style>
+      </p:cxnSp>
+      <p:sp>
+        <p:nvSpPr>
+          <p:cNvPr id="47" name="TextBox 46"/>
+          <p:cNvSpPr txBox="1"/>
+          <p:nvPr/>
+        </p:nvSpPr>
+        <p:spPr>
+          <a:xfrm>
+            <a:off x="3026749" y="3518444"/>
+            <a:ext cx="672183" cy="367839"/>
+          </a:xfrm>
+          <a:prstGeom prst="rect">
+            <a:avLst/>
+          </a:prstGeom>
+          <a:solidFill>
+            <a:schemeClr val="accent3">
+              <a:lumMod val="20000"/>
+              <a:lumOff val="80000"/>
+            </a:schemeClr>
+          </a:solidFill>
+          <a:ln>
+            <a:noFill/>
+          </a:ln>
+        </p:spPr>
+        <p:txBody>
+          <a:bodyPr wrap="square" rtlCol="0">
+            <a:spAutoFit/>
+          </a:bodyPr>
+          <a:lstStyle/>
+          <a:p>
+            <a:r>
+              <a:rPr lang="en-US" altLang="ko-KR" dirty="0" smtClean="0"/>
+              <a:t>user</a:t>
+            </a:r>
+            <a:endParaRPr lang="ko-KR" altLang="en-US" dirty="0"/>
+          </a:p>
+        </p:txBody>
+      </p:sp>
+      <p:sp>
+        <p:nvSpPr>
+          <p:cNvPr id="46" name="TextBox 45"/>
+          <p:cNvSpPr txBox="1"/>
+          <p:nvPr/>
+        </p:nvSpPr>
+        <p:spPr>
+          <a:xfrm>
+            <a:off x="3520556" y="3579273"/>
+            <a:ext cx="1948592" cy="276999"/>
+          </a:xfrm>
+          <a:prstGeom prst="rect">
+            <a:avLst/>
+          </a:prstGeom>
+          <a:noFill/>
+          <a:ln>
+            <a:noFill/>
+          </a:ln>
+        </p:spPr>
+        <p:txBody>
+          <a:bodyPr wrap="square" rtlCol="0">
+            <a:spAutoFit/>
+          </a:bodyPr>
+          <a:lstStyle/>
+          <a:p>
+            <a:r>
+              <a:rPr lang="ko-KR" altLang="en-US" sz="1200" b="1" dirty="0" smtClean="0">
+                <a:solidFill>
+                  <a:srgbClr val="0000FF"/>
+                </a:solidFill>
+                <a:latin typeface="+mn-ea"/>
+              </a:rPr>
+              <a:t>현재 사용자 </a:t>
+            </a:r>
+            <a:r>
+              <a:rPr lang="ko-KR" altLang="en-US" sz="1200" b="1" dirty="0" err="1" smtClean="0">
+                <a:solidFill>
+                  <a:srgbClr val="0000FF"/>
+                </a:solidFill>
+                <a:latin typeface="+mn-ea"/>
+              </a:rPr>
+              <a:t>홈디렉토리</a:t>
+            </a:r>
+            <a:endParaRPr lang="ko-KR" altLang="en-US" sz="1200" b="1" dirty="0">
+              <a:solidFill>
+                <a:srgbClr val="0000FF"/>
+              </a:solidFill>
+              <a:latin typeface="+mn-ea"/>
+            </a:endParaRPr>
+          </a:p>
+        </p:txBody>
+      </p:sp>
     </p:spTree>
     <p:extLst>
       <p:ext uri="{BB962C8B-B14F-4D97-AF65-F5344CB8AC3E}">
-        <p14:creationId xmlns:p14="http://schemas.microsoft.com/office/powerpoint/2010/main" val="1471254945"/>
+        <p14:creationId xmlns:p14="http://schemas.microsoft.com/office/powerpoint/2010/main" val="4270541256"/>
       </p:ext>
     </p:extLst>
   </p:cSld>
